--- a/pitch/Investors pitch.pptx
+++ b/pitch/Investors pitch.pptx
@@ -5,15 +5,16 @@
     <p:sldMasterId id="2147483648" r:id="rId1"/>
   </p:sldMasterIdLst>
   <p:notesMasterIdLst>
-    <p:notesMasterId r:id="rId8"/>
+    <p:notesMasterId r:id="rId9"/>
   </p:notesMasterIdLst>
   <p:sldIdLst>
     <p:sldId id="256" r:id="rId2"/>
     <p:sldId id="262" r:id="rId3"/>
     <p:sldId id="264" r:id="rId4"/>
-    <p:sldId id="258" r:id="rId5"/>
-    <p:sldId id="966" r:id="rId6"/>
-    <p:sldId id="967" r:id="rId7"/>
+    <p:sldId id="966" r:id="rId5"/>
+    <p:sldId id="258" r:id="rId6"/>
+    <p:sldId id="968" r:id="rId7"/>
+    <p:sldId id="967" r:id="rId8"/>
   </p:sldIdLst>
   <p:sldSz cx="12192000" cy="6858000"/>
   <p:notesSz cx="6858000" cy="9144000"/>
@@ -123,7 +124,7 @@
 <file path=ppt/revisionInfo.xml><?xml version="1.0" encoding="utf-8"?>
 <p1510:revInfo xmlns:a="http://schemas.openxmlformats.org/drawingml/2006/main" xmlns:r="http://schemas.openxmlformats.org/officeDocument/2006/relationships" xmlns:p1510="http://schemas.microsoft.com/office/powerpoint/2015/10/main">
   <p1510:revLst>
-    <p1510:client id="{4E7091D6-0C80-4718-A128-BC5AFCD38EB0}" v="87" dt="2021-12-18T10:40:35.028"/>
+    <p1510:client id="{4E7091D6-0C80-4718-A128-BC5AFCD38EB0}" v="88" dt="2021-12-20T17:44:48.043"/>
   </p1510:revLst>
 </p1510:revInfo>
 </file>
@@ -133,12 +134,12 @@
   <pc:docChgLst>
     <pc:chgData name="Nico Heiniger" userId="4f48b29847525020" providerId="LiveId" clId="{4E7091D6-0C80-4718-A128-BC5AFCD38EB0}"/>
     <pc:docChg chg="undo custSel addSld delSld modSld sldOrd">
-      <pc:chgData name="Nico Heiniger" userId="4f48b29847525020" providerId="LiveId" clId="{4E7091D6-0C80-4718-A128-BC5AFCD38EB0}" dt="2021-12-19T12:18:12.011" v="3412" actId="404"/>
+      <pc:chgData name="Nico Heiniger" userId="4f48b29847525020" providerId="LiveId" clId="{4E7091D6-0C80-4718-A128-BC5AFCD38EB0}" dt="2021-12-20T18:03:17.215" v="3503" actId="20577"/>
       <pc:docMkLst>
         <pc:docMk/>
       </pc:docMkLst>
-      <pc:sldChg chg="addSp delSp modSp mod">
-        <pc:chgData name="Nico Heiniger" userId="4f48b29847525020" providerId="LiveId" clId="{4E7091D6-0C80-4718-A128-BC5AFCD38EB0}" dt="2021-12-18T10:55:08.775" v="2790" actId="1036"/>
+      <pc:sldChg chg="addSp delSp modSp mod modNotesTx">
+        <pc:chgData name="Nico Heiniger" userId="4f48b29847525020" providerId="LiveId" clId="{4E7091D6-0C80-4718-A128-BC5AFCD38EB0}" dt="2021-12-20T17:59:58.859" v="3485" actId="20577"/>
         <pc:sldMkLst>
           <pc:docMk/>
           <pc:sldMk cId="733297787" sldId="256"/>
@@ -160,7 +161,7 @@
           </ac:spMkLst>
         </pc:spChg>
         <pc:spChg chg="add mod">
-          <ac:chgData name="Nico Heiniger" userId="4f48b29847525020" providerId="LiveId" clId="{4E7091D6-0C80-4718-A128-BC5AFCD38EB0}" dt="2021-12-18T10:55:08.775" v="2790" actId="1036"/>
+          <ac:chgData name="Nico Heiniger" userId="4f48b29847525020" providerId="LiveId" clId="{4E7091D6-0C80-4718-A128-BC5AFCD38EB0}" dt="2021-12-20T17:52:34.044" v="3461" actId="1076"/>
           <ac:spMkLst>
             <pc:docMk/>
             <pc:sldMk cId="733297787" sldId="256"/>
@@ -199,8 +200,8 @@
           </ac:spMkLst>
         </pc:spChg>
       </pc:sldChg>
-      <pc:sldChg chg="addSp delSp modSp mod">
-        <pc:chgData name="Nico Heiniger" userId="4f48b29847525020" providerId="LiveId" clId="{4E7091D6-0C80-4718-A128-BC5AFCD38EB0}" dt="2021-12-18T10:36:49.237" v="2063" actId="1076"/>
+      <pc:sldChg chg="addSp delSp modSp mod ord modNotesTx">
+        <pc:chgData name="Nico Heiniger" userId="4f48b29847525020" providerId="LiveId" clId="{4E7091D6-0C80-4718-A128-BC5AFCD38EB0}" dt="2021-12-20T17:58:53.219" v="3468" actId="20577"/>
         <pc:sldMkLst>
           <pc:docMk/>
           <pc:sldMk cId="4137212419" sldId="258"/>
@@ -419,8 +420,8 @@
           </ac:spMkLst>
         </pc:spChg>
       </pc:sldChg>
-      <pc:sldChg chg="addSp delSp modSp new mod ord setBg">
-        <pc:chgData name="Nico Heiniger" userId="4f48b29847525020" providerId="LiveId" clId="{4E7091D6-0C80-4718-A128-BC5AFCD38EB0}" dt="2021-12-18T10:16:02.917" v="1910" actId="478"/>
+      <pc:sldChg chg="addSp delSp modSp new mod ord setBg modNotesTx">
+        <pc:chgData name="Nico Heiniger" userId="4f48b29847525020" providerId="LiveId" clId="{4E7091D6-0C80-4718-A128-BC5AFCD38EB0}" dt="2021-12-20T18:00:02.339" v="3490" actId="20577"/>
         <pc:sldMkLst>
           <pc:docMk/>
           <pc:sldMk cId="3003886837" sldId="262"/>
@@ -593,8 +594,8 @@
           <pc:sldMk cId="3194898246" sldId="263"/>
         </pc:sldMkLst>
       </pc:sldChg>
-      <pc:sldChg chg="addSp delSp modSp new mod">
-        <pc:chgData name="Nico Heiniger" userId="4f48b29847525020" providerId="LiveId" clId="{4E7091D6-0C80-4718-A128-BC5AFCD38EB0}" dt="2021-12-18T10:20:56.094" v="2023" actId="478"/>
+      <pc:sldChg chg="addSp delSp modSp new mod modNotesTx">
+        <pc:chgData name="Nico Heiniger" userId="4f48b29847525020" providerId="LiveId" clId="{4E7091D6-0C80-4718-A128-BC5AFCD38EB0}" dt="2021-12-20T18:03:17.215" v="3503" actId="20577"/>
         <pc:sldMkLst>
           <pc:docMk/>
           <pc:sldMk cId="1654261012" sldId="264"/>
@@ -887,8 +888,8 @@
           <pc:sldMk cId="2992575855" sldId="965"/>
         </pc:sldMkLst>
       </pc:sldChg>
-      <pc:sldChg chg="addSp delSp modSp add mod">
-        <pc:chgData name="Nico Heiniger" userId="4f48b29847525020" providerId="LiveId" clId="{4E7091D6-0C80-4718-A128-BC5AFCD38EB0}" dt="2021-12-18T10:38:53.350" v="2123" actId="1076"/>
+      <pc:sldChg chg="addSp delSp modSp add mod modNotesTx">
+        <pc:chgData name="Nico Heiniger" userId="4f48b29847525020" providerId="LiveId" clId="{4E7091D6-0C80-4718-A128-BC5AFCD38EB0}" dt="2021-12-20T17:59:06.163" v="3474" actId="20577"/>
         <pc:sldMkLst>
           <pc:docMk/>
           <pc:sldMk cId="1218247387" sldId="966"/>
@@ -989,8 +990,8 @@
           </ac:spMkLst>
         </pc:spChg>
       </pc:sldChg>
-      <pc:sldChg chg="addSp delSp modSp add mod">
-        <pc:chgData name="Nico Heiniger" userId="4f48b29847525020" providerId="LiveId" clId="{4E7091D6-0C80-4718-A128-BC5AFCD38EB0}" dt="2021-12-19T12:18:12.011" v="3412" actId="404"/>
+      <pc:sldChg chg="addSp delSp modSp add mod ord modNotesTx">
+        <pc:chgData name="Nico Heiniger" userId="4f48b29847525020" providerId="LiveId" clId="{4E7091D6-0C80-4718-A128-BC5AFCD38EB0}" dt="2021-12-20T17:59:33.915" v="3478" actId="20577"/>
         <pc:sldMkLst>
           <pc:docMk/>
           <pc:sldMk cId="978737645" sldId="967"/>
@@ -1066,6 +1067,29 @@
           <pc:docMk/>
           <pc:sldMk cId="3531929226" sldId="967"/>
         </pc:sldMkLst>
+      </pc:sldChg>
+      <pc:sldChg chg="delSp modSp new mod">
+        <pc:chgData name="Nico Heiniger" userId="4f48b29847525020" providerId="LiveId" clId="{4E7091D6-0C80-4718-A128-BC5AFCD38EB0}" dt="2021-12-20T17:44:54.565" v="3459" actId="27636"/>
+        <pc:sldMkLst>
+          <pc:docMk/>
+          <pc:sldMk cId="3181517507" sldId="968"/>
+        </pc:sldMkLst>
+        <pc:spChg chg="mod">
+          <ac:chgData name="Nico Heiniger" userId="4f48b29847525020" providerId="LiveId" clId="{4E7091D6-0C80-4718-A128-BC5AFCD38EB0}" dt="2021-12-20T17:44:54.565" v="3459" actId="27636"/>
+          <ac:spMkLst>
+            <pc:docMk/>
+            <pc:sldMk cId="3181517507" sldId="968"/>
+            <ac:spMk id="2" creationId="{EBB02509-A613-468C-BB11-38F8E909DFCA}"/>
+          </ac:spMkLst>
+        </pc:spChg>
+        <pc:spChg chg="del">
+          <ac:chgData name="Nico Heiniger" userId="4f48b29847525020" providerId="LiveId" clId="{4E7091D6-0C80-4718-A128-BC5AFCD38EB0}" dt="2021-12-20T17:44:18.260" v="3436" actId="478"/>
+          <ac:spMkLst>
+            <pc:docMk/>
+            <pc:sldMk cId="3181517507" sldId="968"/>
+            <ac:spMk id="3" creationId="{67170C85-BD02-4143-905B-AE2620A4D4EF}"/>
+          </ac:spMkLst>
+        </pc:spChg>
       </pc:sldChg>
       <pc:sldMasterChg chg="addSldLayout delSldLayout">
         <pc:chgData name="Nico Heiniger" userId="4f48b29847525020" providerId="LiveId" clId="{4E7091D6-0C80-4718-A128-BC5AFCD38EB0}" dt="2021-12-18T10:52:53.470" v="2783" actId="47"/>
@@ -1169,7 +1193,7 @@
           <a:p>
             <a:fld id="{20630491-59BB-DD47-A259-D7C351DF458B}" type="datetimeFigureOut">
               <a:rPr lang="en-CH" smtClean="0"/>
-              <a:t>12/19/2021</a:t>
+              <a:t>12/20/2021</a:t>
             </a:fld>
             <a:endParaRPr lang="en-CH"/>
           </a:p>
@@ -1437,6 +1461,529 @@
 </p:notesMaster>
 </file>
 
+<file path=ppt/notesSlides/notesSlide1.xml><?xml version="1.0" encoding="utf-8"?>
+<p:notes xmlns:a="http://schemas.openxmlformats.org/drawingml/2006/main" xmlns:r="http://schemas.openxmlformats.org/officeDocument/2006/relationships" xmlns:p="http://schemas.openxmlformats.org/presentationml/2006/main">
+  <p:cSld>
+    <p:spTree>
+      <p:nvGrpSpPr>
+        <p:cNvPr id="1" name=""/>
+        <p:cNvGrpSpPr/>
+        <p:nvPr/>
+      </p:nvGrpSpPr>
+      <p:grpSpPr>
+        <a:xfrm>
+          <a:off x="0" y="0"/>
+          <a:ext cx="0" cy="0"/>
+          <a:chOff x="0" y="0"/>
+          <a:chExt cx="0" cy="0"/>
+        </a:xfrm>
+      </p:grpSpPr>
+      <p:sp>
+        <p:nvSpPr>
+          <p:cNvPr id="2" name="Slide Image Placeholder 1"/>
+          <p:cNvSpPr>
+            <a:spLocks noGrp="1" noRot="1" noChangeAspect="1"/>
+          </p:cNvSpPr>
+          <p:nvPr>
+            <p:ph type="sldImg"/>
+          </p:nvPr>
+        </p:nvSpPr>
+        <p:spPr/>
+      </p:sp>
+      <p:sp>
+        <p:nvSpPr>
+          <p:cNvPr id="3" name="Notes Placeholder 2"/>
+          <p:cNvSpPr>
+            <a:spLocks noGrp="1"/>
+          </p:cNvSpPr>
+          <p:nvPr>
+            <p:ph type="body" idx="1"/>
+          </p:nvPr>
+        </p:nvSpPr>
+        <p:spPr/>
+        <p:txBody>
+          <a:bodyPr/>
+          <a:lstStyle/>
+          <a:p>
+            <a:r>
+              <a:rPr lang="de-CH" dirty="0"/>
+              <a:t>Sacha</a:t>
+            </a:r>
+          </a:p>
+        </p:txBody>
+      </p:sp>
+      <p:sp>
+        <p:nvSpPr>
+          <p:cNvPr id="4" name="Slide Number Placeholder 3"/>
+          <p:cNvSpPr>
+            <a:spLocks noGrp="1"/>
+          </p:cNvSpPr>
+          <p:nvPr>
+            <p:ph type="sldNum" sz="quarter" idx="5"/>
+          </p:nvPr>
+        </p:nvSpPr>
+        <p:spPr/>
+        <p:txBody>
+          <a:bodyPr/>
+          <a:lstStyle/>
+          <a:p>
+            <a:fld id="{96A4DF89-15AD-0745-8412-D78E22AFBAFD}" type="slidenum">
+              <a:rPr lang="en-CH" smtClean="0"/>
+              <a:t>1</a:t>
+            </a:fld>
+            <a:endParaRPr lang="en-CH"/>
+          </a:p>
+        </p:txBody>
+      </p:sp>
+    </p:spTree>
+    <p:extLst>
+      <p:ext uri="{BB962C8B-B14F-4D97-AF65-F5344CB8AC3E}">
+        <p14:creationId xmlns:p14="http://schemas.microsoft.com/office/powerpoint/2010/main" val="665458699"/>
+      </p:ext>
+    </p:extLst>
+  </p:cSld>
+  <p:clrMapOvr>
+    <a:masterClrMapping/>
+  </p:clrMapOvr>
+</p:notes>
+</file>
+
+<file path=ppt/notesSlides/notesSlide2.xml><?xml version="1.0" encoding="utf-8"?>
+<p:notes xmlns:a="http://schemas.openxmlformats.org/drawingml/2006/main" xmlns:r="http://schemas.openxmlformats.org/officeDocument/2006/relationships" xmlns:p="http://schemas.openxmlformats.org/presentationml/2006/main">
+  <p:cSld>
+    <p:spTree>
+      <p:nvGrpSpPr>
+        <p:cNvPr id="1" name=""/>
+        <p:cNvGrpSpPr/>
+        <p:nvPr/>
+      </p:nvGrpSpPr>
+      <p:grpSpPr>
+        <a:xfrm>
+          <a:off x="0" y="0"/>
+          <a:ext cx="0" cy="0"/>
+          <a:chOff x="0" y="0"/>
+          <a:chExt cx="0" cy="0"/>
+        </a:xfrm>
+      </p:grpSpPr>
+      <p:sp>
+        <p:nvSpPr>
+          <p:cNvPr id="2" name="Slide Image Placeholder 1"/>
+          <p:cNvSpPr>
+            <a:spLocks noGrp="1" noRot="1" noChangeAspect="1"/>
+          </p:cNvSpPr>
+          <p:nvPr>
+            <p:ph type="sldImg"/>
+          </p:nvPr>
+        </p:nvSpPr>
+        <p:spPr/>
+      </p:sp>
+      <p:sp>
+        <p:nvSpPr>
+          <p:cNvPr id="3" name="Notes Placeholder 2"/>
+          <p:cNvSpPr>
+            <a:spLocks noGrp="1"/>
+          </p:cNvSpPr>
+          <p:nvPr>
+            <p:ph type="body" idx="1"/>
+          </p:nvPr>
+        </p:nvSpPr>
+        <p:spPr/>
+        <p:txBody>
+          <a:bodyPr/>
+          <a:lstStyle/>
+          <a:p>
+            <a:r>
+              <a:rPr lang="de-CH" dirty="0"/>
+              <a:t>Sacha</a:t>
+            </a:r>
+          </a:p>
+        </p:txBody>
+      </p:sp>
+      <p:sp>
+        <p:nvSpPr>
+          <p:cNvPr id="4" name="Slide Number Placeholder 3"/>
+          <p:cNvSpPr>
+            <a:spLocks noGrp="1"/>
+          </p:cNvSpPr>
+          <p:nvPr>
+            <p:ph type="sldNum" sz="quarter" idx="5"/>
+          </p:nvPr>
+        </p:nvSpPr>
+        <p:spPr/>
+        <p:txBody>
+          <a:bodyPr/>
+          <a:lstStyle/>
+          <a:p>
+            <a:fld id="{96A4DF89-15AD-0745-8412-D78E22AFBAFD}" type="slidenum">
+              <a:rPr lang="en-CH" smtClean="0"/>
+              <a:t>2</a:t>
+            </a:fld>
+            <a:endParaRPr lang="en-CH"/>
+          </a:p>
+        </p:txBody>
+      </p:sp>
+    </p:spTree>
+    <p:extLst>
+      <p:ext uri="{BB962C8B-B14F-4D97-AF65-F5344CB8AC3E}">
+        <p14:creationId xmlns:p14="http://schemas.microsoft.com/office/powerpoint/2010/main" val="1872473669"/>
+      </p:ext>
+    </p:extLst>
+  </p:cSld>
+  <p:clrMapOvr>
+    <a:masterClrMapping/>
+  </p:clrMapOvr>
+</p:notes>
+</file>
+
+<file path=ppt/notesSlides/notesSlide3.xml><?xml version="1.0" encoding="utf-8"?>
+<p:notes xmlns:a="http://schemas.openxmlformats.org/drawingml/2006/main" xmlns:r="http://schemas.openxmlformats.org/officeDocument/2006/relationships" xmlns:p="http://schemas.openxmlformats.org/presentationml/2006/main">
+  <p:cSld>
+    <p:spTree>
+      <p:nvGrpSpPr>
+        <p:cNvPr id="1" name=""/>
+        <p:cNvGrpSpPr/>
+        <p:nvPr/>
+      </p:nvGrpSpPr>
+      <p:grpSpPr>
+        <a:xfrm>
+          <a:off x="0" y="0"/>
+          <a:ext cx="0" cy="0"/>
+          <a:chOff x="0" y="0"/>
+          <a:chExt cx="0" cy="0"/>
+        </a:xfrm>
+      </p:grpSpPr>
+      <p:sp>
+        <p:nvSpPr>
+          <p:cNvPr id="2" name="Slide Image Placeholder 1"/>
+          <p:cNvSpPr>
+            <a:spLocks noGrp="1" noRot="1" noChangeAspect="1"/>
+          </p:cNvSpPr>
+          <p:nvPr>
+            <p:ph type="sldImg"/>
+          </p:nvPr>
+        </p:nvSpPr>
+        <p:spPr/>
+      </p:sp>
+      <p:sp>
+        <p:nvSpPr>
+          <p:cNvPr id="3" name="Notes Placeholder 2"/>
+          <p:cNvSpPr>
+            <a:spLocks noGrp="1"/>
+          </p:cNvSpPr>
+          <p:nvPr>
+            <p:ph type="body" idx="1"/>
+          </p:nvPr>
+        </p:nvSpPr>
+        <p:spPr/>
+        <p:txBody>
+          <a:bodyPr/>
+          <a:lstStyle/>
+          <a:p>
+            <a:r>
+              <a:rPr lang="de-CH" dirty="0"/>
+              <a:t>Sacha</a:t>
+            </a:r>
+          </a:p>
+        </p:txBody>
+      </p:sp>
+      <p:sp>
+        <p:nvSpPr>
+          <p:cNvPr id="4" name="Slide Number Placeholder 3"/>
+          <p:cNvSpPr>
+            <a:spLocks noGrp="1"/>
+          </p:cNvSpPr>
+          <p:nvPr>
+            <p:ph type="sldNum" sz="quarter" idx="5"/>
+          </p:nvPr>
+        </p:nvSpPr>
+        <p:spPr/>
+        <p:txBody>
+          <a:bodyPr/>
+          <a:lstStyle/>
+          <a:p>
+            <a:fld id="{96A4DF89-15AD-0745-8412-D78E22AFBAFD}" type="slidenum">
+              <a:rPr lang="en-CH" smtClean="0"/>
+              <a:t>3</a:t>
+            </a:fld>
+            <a:endParaRPr lang="en-CH"/>
+          </a:p>
+        </p:txBody>
+      </p:sp>
+    </p:spTree>
+    <p:extLst>
+      <p:ext uri="{BB962C8B-B14F-4D97-AF65-F5344CB8AC3E}">
+        <p14:creationId xmlns:p14="http://schemas.microsoft.com/office/powerpoint/2010/main" val="1295120928"/>
+      </p:ext>
+    </p:extLst>
+  </p:cSld>
+  <p:clrMapOvr>
+    <a:masterClrMapping/>
+  </p:clrMapOvr>
+</p:notes>
+</file>
+
+<file path=ppt/notesSlides/notesSlide4.xml><?xml version="1.0" encoding="utf-8"?>
+<p:notes xmlns:a="http://schemas.openxmlformats.org/drawingml/2006/main" xmlns:r="http://schemas.openxmlformats.org/officeDocument/2006/relationships" xmlns:p="http://schemas.openxmlformats.org/presentationml/2006/main">
+  <p:cSld>
+    <p:spTree>
+      <p:nvGrpSpPr>
+        <p:cNvPr id="1" name=""/>
+        <p:cNvGrpSpPr/>
+        <p:nvPr/>
+      </p:nvGrpSpPr>
+      <p:grpSpPr>
+        <a:xfrm>
+          <a:off x="0" y="0"/>
+          <a:ext cx="0" cy="0"/>
+          <a:chOff x="0" y="0"/>
+          <a:chExt cx="0" cy="0"/>
+        </a:xfrm>
+      </p:grpSpPr>
+      <p:sp>
+        <p:nvSpPr>
+          <p:cNvPr id="2" name="Slide Image Placeholder 1"/>
+          <p:cNvSpPr>
+            <a:spLocks noGrp="1" noRot="1" noChangeAspect="1"/>
+          </p:cNvSpPr>
+          <p:nvPr>
+            <p:ph type="sldImg"/>
+          </p:nvPr>
+        </p:nvSpPr>
+        <p:spPr/>
+      </p:sp>
+      <p:sp>
+        <p:nvSpPr>
+          <p:cNvPr id="3" name="Notes Placeholder 2"/>
+          <p:cNvSpPr>
+            <a:spLocks noGrp="1"/>
+          </p:cNvSpPr>
+          <p:nvPr>
+            <p:ph type="body" idx="1"/>
+          </p:nvPr>
+        </p:nvSpPr>
+        <p:spPr/>
+        <p:txBody>
+          <a:bodyPr/>
+          <a:lstStyle/>
+          <a:p>
+            <a:r>
+              <a:rPr lang="de-CH" dirty="0" err="1"/>
+              <a:t>Rinson</a:t>
+            </a:r>
+            <a:endParaRPr lang="de-CH" dirty="0"/>
+          </a:p>
+        </p:txBody>
+      </p:sp>
+      <p:sp>
+        <p:nvSpPr>
+          <p:cNvPr id="4" name="Slide Number Placeholder 3"/>
+          <p:cNvSpPr>
+            <a:spLocks noGrp="1"/>
+          </p:cNvSpPr>
+          <p:nvPr>
+            <p:ph type="sldNum" sz="quarter" idx="5"/>
+          </p:nvPr>
+        </p:nvSpPr>
+        <p:spPr/>
+        <p:txBody>
+          <a:bodyPr/>
+          <a:lstStyle/>
+          <a:p>
+            <a:fld id="{96A4DF89-15AD-0745-8412-D78E22AFBAFD}" type="slidenum">
+              <a:rPr lang="en-CH" smtClean="0"/>
+              <a:t>4</a:t>
+            </a:fld>
+            <a:endParaRPr lang="en-CH"/>
+          </a:p>
+        </p:txBody>
+      </p:sp>
+    </p:spTree>
+    <p:extLst>
+      <p:ext uri="{BB962C8B-B14F-4D97-AF65-F5344CB8AC3E}">
+        <p14:creationId xmlns:p14="http://schemas.microsoft.com/office/powerpoint/2010/main" val="85437011"/>
+      </p:ext>
+    </p:extLst>
+  </p:cSld>
+  <p:clrMapOvr>
+    <a:masterClrMapping/>
+  </p:clrMapOvr>
+</p:notes>
+</file>
+
+<file path=ppt/notesSlides/notesSlide5.xml><?xml version="1.0" encoding="utf-8"?>
+<p:notes xmlns:a="http://schemas.openxmlformats.org/drawingml/2006/main" xmlns:r="http://schemas.openxmlformats.org/officeDocument/2006/relationships" xmlns:p="http://schemas.openxmlformats.org/presentationml/2006/main">
+  <p:cSld>
+    <p:spTree>
+      <p:nvGrpSpPr>
+        <p:cNvPr id="1" name=""/>
+        <p:cNvGrpSpPr/>
+        <p:nvPr/>
+      </p:nvGrpSpPr>
+      <p:grpSpPr>
+        <a:xfrm>
+          <a:off x="0" y="0"/>
+          <a:ext cx="0" cy="0"/>
+          <a:chOff x="0" y="0"/>
+          <a:chExt cx="0" cy="0"/>
+        </a:xfrm>
+      </p:grpSpPr>
+      <p:sp>
+        <p:nvSpPr>
+          <p:cNvPr id="2" name="Slide Image Placeholder 1"/>
+          <p:cNvSpPr>
+            <a:spLocks noGrp="1" noRot="1" noChangeAspect="1"/>
+          </p:cNvSpPr>
+          <p:nvPr>
+            <p:ph type="sldImg"/>
+          </p:nvPr>
+        </p:nvSpPr>
+        <p:spPr/>
+      </p:sp>
+      <p:sp>
+        <p:nvSpPr>
+          <p:cNvPr id="3" name="Notes Placeholder 2"/>
+          <p:cNvSpPr>
+            <a:spLocks noGrp="1"/>
+          </p:cNvSpPr>
+          <p:nvPr>
+            <p:ph type="body" idx="1"/>
+          </p:nvPr>
+        </p:nvSpPr>
+        <p:spPr/>
+        <p:txBody>
+          <a:bodyPr/>
+          <a:lstStyle/>
+          <a:p>
+            <a:r>
+              <a:rPr lang="de-CH" dirty="0"/>
+              <a:t>Gabriel</a:t>
+            </a:r>
+          </a:p>
+        </p:txBody>
+      </p:sp>
+      <p:sp>
+        <p:nvSpPr>
+          <p:cNvPr id="4" name="Slide Number Placeholder 3"/>
+          <p:cNvSpPr>
+            <a:spLocks noGrp="1"/>
+          </p:cNvSpPr>
+          <p:nvPr>
+            <p:ph type="sldNum" sz="quarter" idx="5"/>
+          </p:nvPr>
+        </p:nvSpPr>
+        <p:spPr/>
+        <p:txBody>
+          <a:bodyPr/>
+          <a:lstStyle/>
+          <a:p>
+            <a:fld id="{96A4DF89-15AD-0745-8412-D78E22AFBAFD}" type="slidenum">
+              <a:rPr lang="en-CH" smtClean="0"/>
+              <a:t>5</a:t>
+            </a:fld>
+            <a:endParaRPr lang="en-CH"/>
+          </a:p>
+        </p:txBody>
+      </p:sp>
+    </p:spTree>
+    <p:extLst>
+      <p:ext uri="{BB962C8B-B14F-4D97-AF65-F5344CB8AC3E}">
+        <p14:creationId xmlns:p14="http://schemas.microsoft.com/office/powerpoint/2010/main" val="3574395305"/>
+      </p:ext>
+    </p:extLst>
+  </p:cSld>
+  <p:clrMapOvr>
+    <a:masterClrMapping/>
+  </p:clrMapOvr>
+</p:notes>
+</file>
+
+<file path=ppt/notesSlides/notesSlide6.xml><?xml version="1.0" encoding="utf-8"?>
+<p:notes xmlns:a="http://schemas.openxmlformats.org/drawingml/2006/main" xmlns:r="http://schemas.openxmlformats.org/officeDocument/2006/relationships" xmlns:p="http://schemas.openxmlformats.org/presentationml/2006/main">
+  <p:cSld>
+    <p:spTree>
+      <p:nvGrpSpPr>
+        <p:cNvPr id="1" name=""/>
+        <p:cNvGrpSpPr/>
+        <p:nvPr/>
+      </p:nvGrpSpPr>
+      <p:grpSpPr>
+        <a:xfrm>
+          <a:off x="0" y="0"/>
+          <a:ext cx="0" cy="0"/>
+          <a:chOff x="0" y="0"/>
+          <a:chExt cx="0" cy="0"/>
+        </a:xfrm>
+      </p:grpSpPr>
+      <p:sp>
+        <p:nvSpPr>
+          <p:cNvPr id="2" name="Slide Image Placeholder 1"/>
+          <p:cNvSpPr>
+            <a:spLocks noGrp="1" noRot="1" noChangeAspect="1"/>
+          </p:cNvSpPr>
+          <p:nvPr>
+            <p:ph type="sldImg"/>
+          </p:nvPr>
+        </p:nvSpPr>
+        <p:spPr/>
+      </p:sp>
+      <p:sp>
+        <p:nvSpPr>
+          <p:cNvPr id="3" name="Notes Placeholder 2"/>
+          <p:cNvSpPr>
+            <a:spLocks noGrp="1"/>
+          </p:cNvSpPr>
+          <p:nvPr>
+            <p:ph type="body" idx="1"/>
+          </p:nvPr>
+        </p:nvSpPr>
+        <p:spPr/>
+        <p:txBody>
+          <a:bodyPr/>
+          <a:lstStyle/>
+          <a:p>
+            <a:r>
+              <a:rPr lang="de-CH" dirty="0"/>
+              <a:t>Nico</a:t>
+            </a:r>
+          </a:p>
+        </p:txBody>
+      </p:sp>
+      <p:sp>
+        <p:nvSpPr>
+          <p:cNvPr id="4" name="Slide Number Placeholder 3"/>
+          <p:cNvSpPr>
+            <a:spLocks noGrp="1"/>
+          </p:cNvSpPr>
+          <p:nvPr>
+            <p:ph type="sldNum" sz="quarter" idx="5"/>
+          </p:nvPr>
+        </p:nvSpPr>
+        <p:spPr/>
+        <p:txBody>
+          <a:bodyPr/>
+          <a:lstStyle/>
+          <a:p>
+            <a:fld id="{96A4DF89-15AD-0745-8412-D78E22AFBAFD}" type="slidenum">
+              <a:rPr lang="en-CH" smtClean="0"/>
+              <a:t>7</a:t>
+            </a:fld>
+            <a:endParaRPr lang="en-CH"/>
+          </a:p>
+        </p:txBody>
+      </p:sp>
+    </p:spTree>
+    <p:extLst>
+      <p:ext uri="{BB962C8B-B14F-4D97-AF65-F5344CB8AC3E}">
+        <p14:creationId xmlns:p14="http://schemas.microsoft.com/office/powerpoint/2010/main" val="1364964081"/>
+      </p:ext>
+    </p:extLst>
+  </p:cSld>
+  <p:clrMapOvr>
+    <a:masterClrMapping/>
+  </p:clrMapOvr>
+</p:notes>
+</file>
+
 <file path=ppt/slideLayouts/slideLayout1.xml><?xml version="1.0" encoding="utf-8"?>
 <p:sldLayout xmlns:a="http://schemas.openxmlformats.org/drawingml/2006/main" xmlns:r="http://schemas.openxmlformats.org/officeDocument/2006/relationships" xmlns:p="http://schemas.openxmlformats.org/presentationml/2006/main" type="title" preserve="1">
   <p:cSld name="Title Slide">
@@ -1586,7 +2133,7 @@
           <a:p>
             <a:fld id="{A751B95C-C172-5F4F-A436-67BCC42E389D}" type="datetimeFigureOut">
               <a:rPr lang="en-CH" smtClean="0"/>
-              <a:t>12/19/2021</a:t>
+              <a:t>12/20/2021</a:t>
             </a:fld>
             <a:endParaRPr lang="en-CH"/>
           </a:p>
@@ -1786,7 +2333,7 @@
           <a:p>
             <a:fld id="{A751B95C-C172-5F4F-A436-67BCC42E389D}" type="datetimeFigureOut">
               <a:rPr lang="en-CH" smtClean="0"/>
-              <a:t>12/19/2021</a:t>
+              <a:t>12/20/2021</a:t>
             </a:fld>
             <a:endParaRPr lang="en-CH"/>
           </a:p>
@@ -1996,7 +2543,7 @@
           <a:p>
             <a:fld id="{A751B95C-C172-5F4F-A436-67BCC42E389D}" type="datetimeFigureOut">
               <a:rPr lang="en-CH" smtClean="0"/>
-              <a:t>12/19/2021</a:t>
+              <a:t>12/20/2021</a:t>
             </a:fld>
             <a:endParaRPr lang="en-CH"/>
           </a:p>
@@ -2196,7 +2743,7 @@
           <a:p>
             <a:fld id="{A751B95C-C172-5F4F-A436-67BCC42E389D}" type="datetimeFigureOut">
               <a:rPr lang="en-CH" smtClean="0"/>
-              <a:t>12/19/2021</a:t>
+              <a:t>12/20/2021</a:t>
             </a:fld>
             <a:endParaRPr lang="en-CH"/>
           </a:p>
@@ -2472,7 +3019,7 @@
           <a:p>
             <a:fld id="{A751B95C-C172-5F4F-A436-67BCC42E389D}" type="datetimeFigureOut">
               <a:rPr lang="en-CH" smtClean="0"/>
-              <a:t>12/19/2021</a:t>
+              <a:t>12/20/2021</a:t>
             </a:fld>
             <a:endParaRPr lang="en-CH"/>
           </a:p>
@@ -2740,7 +3287,7 @@
           <a:p>
             <a:fld id="{A751B95C-C172-5F4F-A436-67BCC42E389D}" type="datetimeFigureOut">
               <a:rPr lang="en-CH" smtClean="0"/>
-              <a:t>12/19/2021</a:t>
+              <a:t>12/20/2021</a:t>
             </a:fld>
             <a:endParaRPr lang="en-CH"/>
           </a:p>
@@ -3155,7 +3702,7 @@
           <a:p>
             <a:fld id="{A751B95C-C172-5F4F-A436-67BCC42E389D}" type="datetimeFigureOut">
               <a:rPr lang="en-CH" smtClean="0"/>
-              <a:t>12/19/2021</a:t>
+              <a:t>12/20/2021</a:t>
             </a:fld>
             <a:endParaRPr lang="en-CH"/>
           </a:p>
@@ -3297,7 +3844,7 @@
           <a:p>
             <a:fld id="{A751B95C-C172-5F4F-A436-67BCC42E389D}" type="datetimeFigureOut">
               <a:rPr lang="en-CH" smtClean="0"/>
-              <a:t>12/19/2021</a:t>
+              <a:t>12/20/2021</a:t>
             </a:fld>
             <a:endParaRPr lang="en-CH"/>
           </a:p>
@@ -3410,7 +3957,7 @@
           <a:p>
             <a:fld id="{A751B95C-C172-5F4F-A436-67BCC42E389D}" type="datetimeFigureOut">
               <a:rPr lang="en-CH" smtClean="0"/>
-              <a:t>12/19/2021</a:t>
+              <a:t>12/20/2021</a:t>
             </a:fld>
             <a:endParaRPr lang="en-CH"/>
           </a:p>
@@ -3723,7 +4270,7 @@
           <a:p>
             <a:fld id="{A751B95C-C172-5F4F-A436-67BCC42E389D}" type="datetimeFigureOut">
               <a:rPr lang="en-CH" smtClean="0"/>
-              <a:t>12/19/2021</a:t>
+              <a:t>12/20/2021</a:t>
             </a:fld>
             <a:endParaRPr lang="en-CH"/>
           </a:p>
@@ -4012,7 +4559,7 @@
           <a:p>
             <a:fld id="{A751B95C-C172-5F4F-A436-67BCC42E389D}" type="datetimeFigureOut">
               <a:rPr lang="en-CH" smtClean="0"/>
-              <a:t>12/19/2021</a:t>
+              <a:t>12/20/2021</a:t>
             </a:fld>
             <a:endParaRPr lang="en-CH"/>
           </a:p>
@@ -4255,7 +4802,7 @@
           <a:p>
             <a:fld id="{A751B95C-C172-5F4F-A436-67BCC42E389D}" type="datetimeFigureOut">
               <a:rPr lang="en-CH" smtClean="0"/>
-              <a:t>12/19/2021</a:t>
+              <a:t>12/20/2021</a:t>
             </a:fld>
             <a:endParaRPr lang="en-CH"/>
           </a:p>
@@ -4818,7 +5365,7 @@
           <p:nvPr/>
         </p:nvPicPr>
         <p:blipFill rotWithShape="1">
-          <a:blip r:embed="rId2"/>
+          <a:blip r:embed="rId3"/>
           <a:srcRect l="21561" r="12093"/>
           <a:stretch/>
         </p:blipFill>
@@ -4846,7 +5393,7 @@
         </p:nvSpPr>
         <p:spPr>
           <a:xfrm>
-            <a:off x="1664335" y="5705157"/>
+            <a:off x="1651894" y="5705157"/>
             <a:ext cx="530225" cy="230188"/>
           </a:xfrm>
           <a:prstGeom prst="rect">
@@ -5722,10 +6269,10 @@
               <p:nvPr/>
             </p:nvPicPr>
             <p:blipFill>
-              <a:blip r:embed="rId2">
+              <a:blip r:embed="rId3">
                 <a:extLst>
                   <a:ext uri="{96DAC541-7B7A-43D3-8B79-37D633B846F1}">
-                    <asvg:svgBlip xmlns:asvg="http://schemas.microsoft.com/office/drawing/2016/SVG/main" r:embed="rId3"/>
+                    <asvg:svgBlip xmlns:asvg="http://schemas.microsoft.com/office/drawing/2016/SVG/main" r:embed="rId4"/>
                   </a:ext>
                 </a:extLst>
               </a:blip>
@@ -5831,10 +6378,10 @@
               <p:nvPr/>
             </p:nvPicPr>
             <p:blipFill>
-              <a:blip r:embed="rId4">
+              <a:blip r:embed="rId5">
                 <a:extLst>
                   <a:ext uri="{96DAC541-7B7A-43D3-8B79-37D633B846F1}">
-                    <asvg:svgBlip xmlns:asvg="http://schemas.microsoft.com/office/drawing/2016/SVG/main" r:embed="rId5"/>
+                    <asvg:svgBlip xmlns:asvg="http://schemas.microsoft.com/office/drawing/2016/SVG/main" r:embed="rId6"/>
                   </a:ext>
                 </a:extLst>
               </a:blip>
@@ -5940,10 +6487,10 @@
               <p:nvPr/>
             </p:nvPicPr>
             <p:blipFill>
-              <a:blip r:embed="rId6">
+              <a:blip r:embed="rId7">
                 <a:extLst>
                   <a:ext uri="{96DAC541-7B7A-43D3-8B79-37D633B846F1}">
-                    <asvg:svgBlip xmlns:asvg="http://schemas.microsoft.com/office/drawing/2016/SVG/main" r:embed="rId7"/>
+                    <asvg:svgBlip xmlns:asvg="http://schemas.microsoft.com/office/drawing/2016/SVG/main" r:embed="rId8"/>
                   </a:ext>
                 </a:extLst>
               </a:blip>
@@ -6257,6 +6804,385 @@
           <a:p>
             <a:pPr algn="ctr"/>
             <a:r>
+              <a:rPr lang="en-GB" b="1" dirty="0">
+                <a:solidFill>
+                  <a:schemeClr val="tx1">
+                    <a:lumMod val="65000"/>
+                    <a:lumOff val="35000"/>
+                  </a:schemeClr>
+                </a:solidFill>
+                <a:latin typeface="Century Gothic" panose="020B0502020202020204" pitchFamily="34" charset="0"/>
+              </a:rPr>
+              <a:t>Pharmacy</a:t>
+            </a:r>
+            <a:r>
+              <a:rPr lang="en-CH" b="1" dirty="0">
+                <a:solidFill>
+                  <a:schemeClr val="tx1">
+                    <a:lumMod val="65000"/>
+                    <a:lumOff val="35000"/>
+                  </a:schemeClr>
+                </a:solidFill>
+                <a:latin typeface="Century Gothic" panose="020B0502020202020204" pitchFamily="34" charset="0"/>
+              </a:rPr>
+              <a:t> Journey</a:t>
+            </a:r>
+          </a:p>
+        </p:txBody>
+      </p:sp>
+      <p:pic>
+        <p:nvPicPr>
+          <p:cNvPr id="10" name="Picture 9" descr="A picture containing diagram&#10;&#10;Description automatically generated">
+            <a:extLst>
+              <a:ext uri="{FF2B5EF4-FFF2-40B4-BE49-F238E27FC236}">
+                <a16:creationId xmlns:a16="http://schemas.microsoft.com/office/drawing/2014/main" id="{B52EE39C-9346-4CB1-A04B-898A405FFD67}"/>
+              </a:ext>
+            </a:extLst>
+          </p:cNvPr>
+          <p:cNvPicPr>
+            <a:picLocks noChangeAspect="1"/>
+          </p:cNvPicPr>
+          <p:nvPr/>
+        </p:nvPicPr>
+        <p:blipFill>
+          <a:blip r:embed="rId3"/>
+          <a:stretch>
+            <a:fillRect/>
+          </a:stretch>
+        </p:blipFill>
+        <p:spPr>
+          <a:xfrm>
+            <a:off x="388620" y="1021079"/>
+            <a:ext cx="8884920" cy="5266334"/>
+          </a:xfrm>
+          <a:prstGeom prst="rect">
+            <a:avLst/>
+          </a:prstGeom>
+        </p:spPr>
+      </p:pic>
+      <p:grpSp>
+        <p:nvGrpSpPr>
+          <p:cNvPr id="16" name="Group 15">
+            <a:extLst>
+              <a:ext uri="{FF2B5EF4-FFF2-40B4-BE49-F238E27FC236}">
+                <a16:creationId xmlns:a16="http://schemas.microsoft.com/office/drawing/2014/main" id="{43075C8F-96EC-43E5-B682-3B8B4D3CB867}"/>
+              </a:ext>
+            </a:extLst>
+          </p:cNvPr>
+          <p:cNvGrpSpPr/>
+          <p:nvPr/>
+        </p:nvGrpSpPr>
+        <p:grpSpPr>
+          <a:xfrm>
+            <a:off x="10012680" y="3219450"/>
+            <a:ext cx="1908167" cy="696992"/>
+            <a:chOff x="8740140" y="1689854"/>
+            <a:chExt cx="1908167" cy="696992"/>
+          </a:xfrm>
+        </p:grpSpPr>
+        <p:sp>
+          <p:nvSpPr>
+            <p:cNvPr id="11" name="Rectangle 10">
+              <a:extLst>
+                <a:ext uri="{FF2B5EF4-FFF2-40B4-BE49-F238E27FC236}">
+                  <a16:creationId xmlns:a16="http://schemas.microsoft.com/office/drawing/2014/main" id="{8D0FD5C9-69D8-4BAC-AF2D-BE701BCC9D50}"/>
+                </a:ext>
+              </a:extLst>
+            </p:cNvPr>
+            <p:cNvSpPr/>
+            <p:nvPr/>
+          </p:nvSpPr>
+          <p:spPr>
+            <a:xfrm>
+              <a:off x="8740140" y="1786890"/>
+              <a:ext cx="228600" cy="175260"/>
+            </a:xfrm>
+            <a:prstGeom prst="rect">
+              <a:avLst/>
+            </a:prstGeom>
+            <a:solidFill>
+              <a:srgbClr val="5E5E5E"/>
+            </a:solidFill>
+            <a:ln>
+              <a:noFill/>
+            </a:ln>
+          </p:spPr>
+          <p:style>
+            <a:lnRef idx="2">
+              <a:schemeClr val="accent1">
+                <a:shade val="50000"/>
+              </a:schemeClr>
+            </a:lnRef>
+            <a:fillRef idx="1">
+              <a:schemeClr val="accent1"/>
+            </a:fillRef>
+            <a:effectRef idx="0">
+              <a:schemeClr val="accent1"/>
+            </a:effectRef>
+            <a:fontRef idx="minor">
+              <a:schemeClr val="lt1"/>
+            </a:fontRef>
+          </p:style>
+          <p:txBody>
+            <a:bodyPr rtlCol="0" anchor="ctr"/>
+            <a:lstStyle/>
+            <a:p>
+              <a:pPr algn="ctr"/>
+              <a:endParaRPr lang="de-CH"/>
+            </a:p>
+          </p:txBody>
+        </p:sp>
+        <p:sp>
+          <p:nvSpPr>
+            <p:cNvPr id="13" name="Rectangle 12">
+              <a:extLst>
+                <a:ext uri="{FF2B5EF4-FFF2-40B4-BE49-F238E27FC236}">
+                  <a16:creationId xmlns:a16="http://schemas.microsoft.com/office/drawing/2014/main" id="{0C7F8ACB-E441-42F7-8213-C9F979CF6BA5}"/>
+                </a:ext>
+              </a:extLst>
+            </p:cNvPr>
+            <p:cNvSpPr/>
+            <p:nvPr/>
+          </p:nvSpPr>
+          <p:spPr>
+            <a:xfrm>
+              <a:off x="8740140" y="2114550"/>
+              <a:ext cx="228600" cy="175260"/>
+            </a:xfrm>
+            <a:prstGeom prst="rect">
+              <a:avLst/>
+            </a:prstGeom>
+            <a:solidFill>
+              <a:srgbClr val="FF8F81"/>
+            </a:solidFill>
+            <a:ln>
+              <a:noFill/>
+            </a:ln>
+          </p:spPr>
+          <p:style>
+            <a:lnRef idx="2">
+              <a:schemeClr val="accent1">
+                <a:shade val="50000"/>
+              </a:schemeClr>
+            </a:lnRef>
+            <a:fillRef idx="1">
+              <a:schemeClr val="accent1"/>
+            </a:fillRef>
+            <a:effectRef idx="0">
+              <a:schemeClr val="accent1"/>
+            </a:effectRef>
+            <a:fontRef idx="minor">
+              <a:schemeClr val="lt1"/>
+            </a:fontRef>
+          </p:style>
+          <p:txBody>
+            <a:bodyPr rtlCol="0" anchor="ctr"/>
+            <a:lstStyle/>
+            <a:p>
+              <a:pPr algn="ctr"/>
+              <a:endParaRPr lang="de-CH"/>
+            </a:p>
+          </p:txBody>
+        </p:sp>
+        <p:sp>
+          <p:nvSpPr>
+            <p:cNvPr id="14" name="TextBox 13">
+              <a:extLst>
+                <a:ext uri="{FF2B5EF4-FFF2-40B4-BE49-F238E27FC236}">
+                  <a16:creationId xmlns:a16="http://schemas.microsoft.com/office/drawing/2014/main" id="{A4C24378-5EE8-4B19-8F50-2F45792C4B18}"/>
+                </a:ext>
+              </a:extLst>
+            </p:cNvPr>
+            <p:cNvSpPr txBox="1"/>
+            <p:nvPr/>
+          </p:nvSpPr>
+          <p:spPr>
+            <a:xfrm>
+              <a:off x="9060180" y="1689854"/>
+              <a:ext cx="1588127" cy="369332"/>
+            </a:xfrm>
+            <a:prstGeom prst="rect">
+              <a:avLst/>
+            </a:prstGeom>
+            <a:noFill/>
+          </p:spPr>
+          <p:txBody>
+            <a:bodyPr wrap="none" rtlCol="0">
+              <a:spAutoFit/>
+            </a:bodyPr>
+            <a:lstStyle/>
+            <a:p>
+              <a:r>
+                <a:rPr lang="de-CH" dirty="0" err="1">
+                  <a:solidFill>
+                    <a:schemeClr val="tx1">
+                      <a:lumMod val="65000"/>
+                      <a:lumOff val="35000"/>
+                    </a:schemeClr>
+                  </a:solidFill>
+                  <a:latin typeface="+mj-lt"/>
+                </a:rPr>
+                <a:t>Automatic</a:t>
+              </a:r>
+              <a:r>
+                <a:rPr lang="de-CH" dirty="0">
+                  <a:solidFill>
+                    <a:schemeClr val="tx1">
+                      <a:lumMod val="65000"/>
+                      <a:lumOff val="35000"/>
+                    </a:schemeClr>
+                  </a:solidFill>
+                  <a:latin typeface="+mj-lt"/>
+                </a:rPr>
+                <a:t> </a:t>
+              </a:r>
+              <a:r>
+                <a:rPr lang="de-CH" dirty="0" err="1">
+                  <a:solidFill>
+                    <a:schemeClr val="tx1">
+                      <a:lumMod val="65000"/>
+                      <a:lumOff val="35000"/>
+                    </a:schemeClr>
+                  </a:solidFill>
+                  <a:latin typeface="+mj-lt"/>
+                </a:rPr>
+                <a:t>task</a:t>
+              </a:r>
+              <a:endParaRPr lang="de-CH" dirty="0">
+                <a:solidFill>
+                  <a:schemeClr val="tx1">
+                    <a:lumMod val="65000"/>
+                    <a:lumOff val="35000"/>
+                  </a:schemeClr>
+                </a:solidFill>
+                <a:latin typeface="+mj-lt"/>
+              </a:endParaRPr>
+            </a:p>
+          </p:txBody>
+        </p:sp>
+        <p:sp>
+          <p:nvSpPr>
+            <p:cNvPr id="15" name="TextBox 14">
+              <a:extLst>
+                <a:ext uri="{FF2B5EF4-FFF2-40B4-BE49-F238E27FC236}">
+                  <a16:creationId xmlns:a16="http://schemas.microsoft.com/office/drawing/2014/main" id="{E7BF7975-4EF1-464F-9CF6-2DDDB29D931A}"/>
+                </a:ext>
+              </a:extLst>
+            </p:cNvPr>
+            <p:cNvSpPr txBox="1"/>
+            <p:nvPr/>
+          </p:nvSpPr>
+          <p:spPr>
+            <a:xfrm>
+              <a:off x="9060180" y="2017514"/>
+              <a:ext cx="1314591" cy="369332"/>
+            </a:xfrm>
+            <a:prstGeom prst="rect">
+              <a:avLst/>
+            </a:prstGeom>
+            <a:noFill/>
+          </p:spPr>
+          <p:txBody>
+            <a:bodyPr wrap="none" rtlCol="0">
+              <a:spAutoFit/>
+            </a:bodyPr>
+            <a:lstStyle/>
+            <a:p>
+              <a:r>
+                <a:rPr lang="de-CH" dirty="0">
+                  <a:solidFill>
+                    <a:schemeClr val="tx1">
+                      <a:lumMod val="65000"/>
+                      <a:lumOff val="35000"/>
+                    </a:schemeClr>
+                  </a:solidFill>
+                  <a:latin typeface="+mj-lt"/>
+                </a:rPr>
+                <a:t>Manual </a:t>
+              </a:r>
+              <a:r>
+                <a:rPr lang="de-CH" dirty="0" err="1">
+                  <a:solidFill>
+                    <a:schemeClr val="tx1">
+                      <a:lumMod val="65000"/>
+                      <a:lumOff val="35000"/>
+                    </a:schemeClr>
+                  </a:solidFill>
+                  <a:latin typeface="+mj-lt"/>
+                </a:rPr>
+                <a:t>task</a:t>
+              </a:r>
+              <a:endParaRPr lang="de-CH" dirty="0">
+                <a:solidFill>
+                  <a:schemeClr val="tx1">
+                    <a:lumMod val="65000"/>
+                    <a:lumOff val="35000"/>
+                  </a:schemeClr>
+                </a:solidFill>
+                <a:latin typeface="+mj-lt"/>
+              </a:endParaRPr>
+            </a:p>
+          </p:txBody>
+        </p:sp>
+      </p:grpSp>
+    </p:spTree>
+    <p:extLst>
+      <p:ext uri="{BB962C8B-B14F-4D97-AF65-F5344CB8AC3E}">
+        <p14:creationId xmlns:p14="http://schemas.microsoft.com/office/powerpoint/2010/main" val="1218247387"/>
+      </p:ext>
+    </p:extLst>
+  </p:cSld>
+  <p:clrMapOvr>
+    <a:masterClrMapping/>
+  </p:clrMapOvr>
+</p:sld>
+</file>
+
+<file path=ppt/slides/slide5.xml><?xml version="1.0" encoding="utf-8"?>
+<p:sld xmlns:a="http://schemas.openxmlformats.org/drawingml/2006/main" xmlns:r="http://schemas.openxmlformats.org/officeDocument/2006/relationships" xmlns:p="http://schemas.openxmlformats.org/presentationml/2006/main">
+  <p:cSld>
+    <p:spTree>
+      <p:nvGrpSpPr>
+        <p:cNvPr id="1" name=""/>
+        <p:cNvGrpSpPr/>
+        <p:nvPr/>
+      </p:nvGrpSpPr>
+      <p:grpSpPr>
+        <a:xfrm>
+          <a:off x="0" y="0"/>
+          <a:ext cx="0" cy="0"/>
+          <a:chOff x="0" y="0"/>
+          <a:chExt cx="0" cy="0"/>
+        </a:xfrm>
+      </p:grpSpPr>
+      <p:sp>
+        <p:nvSpPr>
+          <p:cNvPr id="2" name="Title 1">
+            <a:extLst>
+              <a:ext uri="{FF2B5EF4-FFF2-40B4-BE49-F238E27FC236}">
+                <a16:creationId xmlns:a16="http://schemas.microsoft.com/office/drawing/2014/main" id="{D172D38F-436D-4343-83E4-DC0887B22196}"/>
+              </a:ext>
+            </a:extLst>
+          </p:cNvPr>
+          <p:cNvSpPr>
+            <a:spLocks noGrp="1"/>
+          </p:cNvSpPr>
+          <p:nvPr>
+            <p:ph type="title"/>
+          </p:nvPr>
+        </p:nvSpPr>
+        <p:spPr>
+          <a:xfrm>
+            <a:off x="0" y="0"/>
+            <a:ext cx="12192000" cy="1104899"/>
+          </a:xfrm>
+        </p:spPr>
+        <p:txBody>
+          <a:bodyPr/>
+          <a:lstStyle/>
+          <a:p>
+            <a:pPr algn="ctr"/>
+            <a:r>
               <a:rPr lang="en-CH" b="1" dirty="0">
                 <a:solidFill>
                   <a:schemeClr val="tx1">
@@ -6286,7 +7212,7 @@
           <p:nvPr/>
         </p:nvPicPr>
         <p:blipFill>
-          <a:blip r:embed="rId2"/>
+          <a:blip r:embed="rId3"/>
           <a:stretch>
             <a:fillRect/>
           </a:stretch>
@@ -6336,7 +7262,7 @@
             <p:nvPr/>
           </p:nvPicPr>
           <p:blipFill>
-            <a:blip r:embed="rId3">
+            <a:blip r:embed="rId4">
               <a:extLst>
                 <a:ext uri="{28A0092B-C50C-407E-A947-70E740481C1C}">
                   <a14:useLocalDpi xmlns:a14="http://schemas.microsoft.com/office/drawing/2010/main" val="0"/>
@@ -6899,7 +7825,7 @@
           <p:nvPr/>
         </p:nvPicPr>
         <p:blipFill rotWithShape="1">
-          <a:blip r:embed="rId4"/>
+          <a:blip r:embed="rId5"/>
           <a:srcRect t="14667" b="25222"/>
           <a:stretch/>
         </p:blipFill>
@@ -6926,7 +7852,7 @@
 </p:sld>
 </file>
 
-<file path=ppt/slides/slide5.xml><?xml version="1.0" encoding="utf-8"?>
+<file path=ppt/slides/slide6.xml><?xml version="1.0" encoding="utf-8"?>
 <p:sld xmlns:a="http://schemas.openxmlformats.org/drawingml/2006/main" xmlns:r="http://schemas.openxmlformats.org/officeDocument/2006/relationships" xmlns:p="http://schemas.openxmlformats.org/presentationml/2006/main">
   <p:cSld>
     <p:spTree>
@@ -6948,7 +7874,7 @@
           <p:cNvPr id="2" name="Title 1">
             <a:extLst>
               <a:ext uri="{FF2B5EF4-FFF2-40B4-BE49-F238E27FC236}">
-                <a16:creationId xmlns:a16="http://schemas.microsoft.com/office/drawing/2014/main" id="{D172D38F-436D-4343-83E4-DC0887B22196}"/>
+                <a16:creationId xmlns:a16="http://schemas.microsoft.com/office/drawing/2014/main" id="{EBB02509-A613-468C-BB11-38F8E909DFCA}"/>
               </a:ext>
             </a:extLst>
           </p:cNvPr>
@@ -6961,341 +7887,111 @@
         </p:nvSpPr>
         <p:spPr>
           <a:xfrm>
-            <a:off x="0" y="0"/>
-            <a:ext cx="12192000" cy="1104899"/>
+            <a:off x="912845" y="2766218"/>
+            <a:ext cx="10515600" cy="1325563"/>
           </a:xfrm>
         </p:spPr>
         <p:txBody>
-          <a:bodyPr/>
+          <a:bodyPr>
+            <a:normAutofit fontScale="90000"/>
+          </a:bodyPr>
           <a:lstStyle/>
           <a:p>
             <a:pPr algn="ctr"/>
             <a:r>
-              <a:rPr lang="en-GB" b="1" dirty="0">
+              <a:rPr lang="de-CH" sz="9600" b="1" i="1" u="sng" dirty="0">
                 <a:solidFill>
-                  <a:schemeClr val="tx1">
-                    <a:lumMod val="65000"/>
-                    <a:lumOff val="35000"/>
-                  </a:schemeClr>
+                  <a:srgbClr val="FF0000"/>
                 </a:solidFill>
-                <a:latin typeface="Century Gothic" panose="020B0502020202020204" pitchFamily="34" charset="0"/>
+                <a:effectLst>
+                  <a:outerShdw blurRad="38100" dist="38100" dir="2700000" algn="tl">
+                    <a:srgbClr val="000000">
+                      <a:alpha val="43137"/>
+                    </a:srgbClr>
+                  </a:outerShdw>
+                </a:effectLst>
+                <a:highlight>
+                  <a:srgbClr val="FFFF00"/>
+                </a:highlight>
               </a:rPr>
-              <a:t>Pharmacy</a:t>
-            </a:r>
-            <a:r>
-              <a:rPr lang="en-CH" b="1" dirty="0">
+              <a:t>Insert </a:t>
+            </a:r>
+            <a:r>
+              <a:rPr lang="de-CH" sz="9600" b="1" i="1" u="sng" dirty="0" err="1">
                 <a:solidFill>
-                  <a:schemeClr val="tx1">
-                    <a:lumMod val="65000"/>
-                    <a:lumOff val="35000"/>
-                  </a:schemeClr>
+                  <a:srgbClr val="FF0000"/>
                 </a:solidFill>
-                <a:latin typeface="Century Gothic" panose="020B0502020202020204" pitchFamily="34" charset="0"/>
+                <a:effectLst>
+                  <a:outerShdw blurRad="38100" dist="38100" dir="2700000" algn="tl">
+                    <a:srgbClr val="000000">
+                      <a:alpha val="43137"/>
+                    </a:srgbClr>
+                  </a:outerShdw>
+                </a:effectLst>
+                <a:highlight>
+                  <a:srgbClr val="FFFF00"/>
+                </a:highlight>
               </a:rPr>
-              <a:t> Journey</a:t>
-            </a:r>
-          </a:p>
-        </p:txBody>
-      </p:sp>
-      <p:pic>
-        <p:nvPicPr>
-          <p:cNvPr id="10" name="Picture 9" descr="A picture containing diagram&#10;&#10;Description automatically generated">
-            <a:extLst>
-              <a:ext uri="{FF2B5EF4-FFF2-40B4-BE49-F238E27FC236}">
-                <a16:creationId xmlns:a16="http://schemas.microsoft.com/office/drawing/2014/main" id="{B52EE39C-9346-4CB1-A04B-898A405FFD67}"/>
-              </a:ext>
-            </a:extLst>
-          </p:cNvPr>
-          <p:cNvPicPr>
-            <a:picLocks noChangeAspect="1"/>
-          </p:cNvPicPr>
-          <p:nvPr/>
-        </p:nvPicPr>
-        <p:blipFill>
-          <a:blip r:embed="rId2"/>
-          <a:stretch>
-            <a:fillRect/>
-          </a:stretch>
-        </p:blipFill>
-        <p:spPr>
-          <a:xfrm>
-            <a:off x="388620" y="1021079"/>
-            <a:ext cx="8884920" cy="5266334"/>
-          </a:xfrm>
-          <a:prstGeom prst="rect">
-            <a:avLst/>
-          </a:prstGeom>
-        </p:spPr>
-      </p:pic>
-      <p:grpSp>
-        <p:nvGrpSpPr>
-          <p:cNvPr id="16" name="Group 15">
-            <a:extLst>
-              <a:ext uri="{FF2B5EF4-FFF2-40B4-BE49-F238E27FC236}">
-                <a16:creationId xmlns:a16="http://schemas.microsoft.com/office/drawing/2014/main" id="{43075C8F-96EC-43E5-B682-3B8B4D3CB867}"/>
-              </a:ext>
-            </a:extLst>
-          </p:cNvPr>
-          <p:cNvGrpSpPr/>
-          <p:nvPr/>
-        </p:nvGrpSpPr>
-        <p:grpSpPr>
-          <a:xfrm>
-            <a:off x="10012680" y="3219450"/>
-            <a:ext cx="1908167" cy="696992"/>
-            <a:chOff x="8740140" y="1689854"/>
-            <a:chExt cx="1908167" cy="696992"/>
-          </a:xfrm>
-        </p:grpSpPr>
-        <p:sp>
-          <p:nvSpPr>
-            <p:cNvPr id="11" name="Rectangle 10">
-              <a:extLst>
-                <a:ext uri="{FF2B5EF4-FFF2-40B4-BE49-F238E27FC236}">
-                  <a16:creationId xmlns:a16="http://schemas.microsoft.com/office/drawing/2014/main" id="{8D0FD5C9-69D8-4BAC-AF2D-BE701BCC9D50}"/>
-                </a:ext>
-              </a:extLst>
-            </p:cNvPr>
-            <p:cNvSpPr/>
-            <p:nvPr/>
-          </p:nvSpPr>
-          <p:spPr>
-            <a:xfrm>
-              <a:off x="8740140" y="1786890"/>
-              <a:ext cx="228600" cy="175260"/>
-            </a:xfrm>
-            <a:prstGeom prst="rect">
-              <a:avLst/>
-            </a:prstGeom>
-            <a:solidFill>
-              <a:srgbClr val="5E5E5E"/>
-            </a:solidFill>
-            <a:ln>
-              <a:noFill/>
-            </a:ln>
-          </p:spPr>
-          <p:style>
-            <a:lnRef idx="2">
-              <a:schemeClr val="accent1">
-                <a:shade val="50000"/>
-              </a:schemeClr>
-            </a:lnRef>
-            <a:fillRef idx="1">
-              <a:schemeClr val="accent1"/>
-            </a:fillRef>
-            <a:effectRef idx="0">
-              <a:schemeClr val="accent1"/>
-            </a:effectRef>
-            <a:fontRef idx="minor">
-              <a:schemeClr val="lt1"/>
-            </a:fontRef>
-          </p:style>
-          <p:txBody>
-            <a:bodyPr rtlCol="0" anchor="ctr"/>
-            <a:lstStyle/>
-            <a:p>
-              <a:pPr algn="ctr"/>
-              <a:endParaRPr lang="de-CH"/>
-            </a:p>
-          </p:txBody>
-        </p:sp>
-        <p:sp>
-          <p:nvSpPr>
-            <p:cNvPr id="13" name="Rectangle 12">
-              <a:extLst>
-                <a:ext uri="{FF2B5EF4-FFF2-40B4-BE49-F238E27FC236}">
-                  <a16:creationId xmlns:a16="http://schemas.microsoft.com/office/drawing/2014/main" id="{0C7F8ACB-E441-42F7-8213-C9F979CF6BA5}"/>
-                </a:ext>
-              </a:extLst>
-            </p:cNvPr>
-            <p:cNvSpPr/>
-            <p:nvPr/>
-          </p:nvSpPr>
-          <p:spPr>
-            <a:xfrm>
-              <a:off x="8740140" y="2114550"/>
-              <a:ext cx="228600" cy="175260"/>
-            </a:xfrm>
-            <a:prstGeom prst="rect">
-              <a:avLst/>
-            </a:prstGeom>
-            <a:solidFill>
-              <a:srgbClr val="FF8F81"/>
-            </a:solidFill>
-            <a:ln>
-              <a:noFill/>
-            </a:ln>
-          </p:spPr>
-          <p:style>
-            <a:lnRef idx="2">
-              <a:schemeClr val="accent1">
-                <a:shade val="50000"/>
-              </a:schemeClr>
-            </a:lnRef>
-            <a:fillRef idx="1">
-              <a:schemeClr val="accent1"/>
-            </a:fillRef>
-            <a:effectRef idx="0">
-              <a:schemeClr val="accent1"/>
-            </a:effectRef>
-            <a:fontRef idx="minor">
-              <a:schemeClr val="lt1"/>
-            </a:fontRef>
-          </p:style>
-          <p:txBody>
-            <a:bodyPr rtlCol="0" anchor="ctr"/>
-            <a:lstStyle/>
-            <a:p>
-              <a:pPr algn="ctr"/>
-              <a:endParaRPr lang="de-CH"/>
-            </a:p>
-          </p:txBody>
-        </p:sp>
-        <p:sp>
-          <p:nvSpPr>
-            <p:cNvPr id="14" name="TextBox 13">
-              <a:extLst>
-                <a:ext uri="{FF2B5EF4-FFF2-40B4-BE49-F238E27FC236}">
-                  <a16:creationId xmlns:a16="http://schemas.microsoft.com/office/drawing/2014/main" id="{A4C24378-5EE8-4B19-8F50-2F45792C4B18}"/>
-                </a:ext>
-              </a:extLst>
-            </p:cNvPr>
-            <p:cNvSpPr txBox="1"/>
-            <p:nvPr/>
-          </p:nvSpPr>
-          <p:spPr>
-            <a:xfrm>
-              <a:off x="9060180" y="1689854"/>
-              <a:ext cx="1588127" cy="369332"/>
-            </a:xfrm>
-            <a:prstGeom prst="rect">
-              <a:avLst/>
-            </a:prstGeom>
-            <a:noFill/>
-          </p:spPr>
-          <p:txBody>
-            <a:bodyPr wrap="none" rtlCol="0">
-              <a:spAutoFit/>
-            </a:bodyPr>
-            <a:lstStyle/>
-            <a:p>
-              <a:r>
-                <a:rPr lang="de-CH" dirty="0" err="1">
-                  <a:solidFill>
-                    <a:schemeClr val="tx1">
-                      <a:lumMod val="65000"/>
-                      <a:lumOff val="35000"/>
-                    </a:schemeClr>
-                  </a:solidFill>
-                  <a:latin typeface="+mj-lt"/>
-                </a:rPr>
-                <a:t>Automatic</a:t>
-              </a:r>
-              <a:r>
-                <a:rPr lang="de-CH" dirty="0">
-                  <a:solidFill>
-                    <a:schemeClr val="tx1">
-                      <a:lumMod val="65000"/>
-                      <a:lumOff val="35000"/>
-                    </a:schemeClr>
-                  </a:solidFill>
-                  <a:latin typeface="+mj-lt"/>
-                </a:rPr>
-                <a:t> </a:t>
-              </a:r>
-              <a:r>
-                <a:rPr lang="de-CH" dirty="0" err="1">
-                  <a:solidFill>
-                    <a:schemeClr val="tx1">
-                      <a:lumMod val="65000"/>
-                      <a:lumOff val="35000"/>
-                    </a:schemeClr>
-                  </a:solidFill>
-                  <a:latin typeface="+mj-lt"/>
-                </a:rPr>
-                <a:t>task</a:t>
-              </a:r>
-              <a:endParaRPr lang="de-CH" dirty="0">
+              <a:t>video</a:t>
+            </a:r>
+            <a:r>
+              <a:rPr lang="de-CH" sz="9600" b="1" i="1" u="sng" dirty="0">
                 <a:solidFill>
-                  <a:schemeClr val="tx1">
-                    <a:lumMod val="65000"/>
-                    <a:lumOff val="35000"/>
-                  </a:schemeClr>
+                  <a:srgbClr val="FF0000"/>
                 </a:solidFill>
-                <a:latin typeface="+mj-lt"/>
-              </a:endParaRPr>
-            </a:p>
-          </p:txBody>
-        </p:sp>
-        <p:sp>
-          <p:nvSpPr>
-            <p:cNvPr id="15" name="TextBox 14">
-              <a:extLst>
-                <a:ext uri="{FF2B5EF4-FFF2-40B4-BE49-F238E27FC236}">
-                  <a16:creationId xmlns:a16="http://schemas.microsoft.com/office/drawing/2014/main" id="{E7BF7975-4EF1-464F-9CF6-2DDDB29D931A}"/>
-                </a:ext>
-              </a:extLst>
-            </p:cNvPr>
-            <p:cNvSpPr txBox="1"/>
-            <p:nvPr/>
-          </p:nvSpPr>
-          <p:spPr>
-            <a:xfrm>
-              <a:off x="9060180" y="2017514"/>
-              <a:ext cx="1314591" cy="369332"/>
-            </a:xfrm>
-            <a:prstGeom prst="rect">
-              <a:avLst/>
-            </a:prstGeom>
-            <a:noFill/>
-          </p:spPr>
-          <p:txBody>
-            <a:bodyPr wrap="none" rtlCol="0">
-              <a:spAutoFit/>
-            </a:bodyPr>
-            <a:lstStyle/>
-            <a:p>
-              <a:r>
-                <a:rPr lang="de-CH" dirty="0">
-                  <a:solidFill>
-                    <a:schemeClr val="tx1">
-                      <a:lumMod val="65000"/>
-                      <a:lumOff val="35000"/>
-                    </a:schemeClr>
-                  </a:solidFill>
-                  <a:latin typeface="+mj-lt"/>
-                </a:rPr>
-                <a:t>Manual </a:t>
-              </a:r>
-              <a:r>
-                <a:rPr lang="de-CH" dirty="0" err="1">
-                  <a:solidFill>
-                    <a:schemeClr val="tx1">
-                      <a:lumMod val="65000"/>
-                      <a:lumOff val="35000"/>
-                    </a:schemeClr>
-                  </a:solidFill>
-                  <a:latin typeface="+mj-lt"/>
-                </a:rPr>
-                <a:t>task</a:t>
-              </a:r>
-              <a:endParaRPr lang="de-CH" dirty="0">
+                <a:effectLst>
+                  <a:outerShdw blurRad="38100" dist="38100" dir="2700000" algn="tl">
+                    <a:srgbClr val="000000">
+                      <a:alpha val="43137"/>
+                    </a:srgbClr>
+                  </a:outerShdw>
+                </a:effectLst>
+                <a:highlight>
+                  <a:srgbClr val="FFFF00"/>
+                </a:highlight>
+              </a:rPr>
+              <a:t> </a:t>
+            </a:r>
+            <a:r>
+              <a:rPr lang="de-CH" sz="9600" b="1" i="1" u="sng" dirty="0" err="1">
                 <a:solidFill>
-                  <a:schemeClr val="tx1">
-                    <a:lumMod val="65000"/>
-                    <a:lumOff val="35000"/>
-                  </a:schemeClr>
+                  <a:srgbClr val="FF0000"/>
                 </a:solidFill>
-                <a:latin typeface="+mj-lt"/>
-              </a:endParaRPr>
-            </a:p>
-          </p:txBody>
-        </p:sp>
-      </p:grpSp>
+                <a:effectLst>
+                  <a:outerShdw blurRad="38100" dist="38100" dir="2700000" algn="tl">
+                    <a:srgbClr val="000000">
+                      <a:alpha val="43137"/>
+                    </a:srgbClr>
+                  </a:outerShdw>
+                </a:effectLst>
+                <a:highlight>
+                  <a:srgbClr val="FFFF00"/>
+                </a:highlight>
+              </a:rPr>
+              <a:t>here</a:t>
+            </a:r>
+            <a:endParaRPr lang="de-CH" sz="9600" b="1" i="1" u="sng" dirty="0">
+              <a:solidFill>
+                <a:srgbClr val="FF0000"/>
+              </a:solidFill>
+              <a:effectLst>
+                <a:outerShdw blurRad="38100" dist="38100" dir="2700000" algn="tl">
+                  <a:srgbClr val="000000">
+                    <a:alpha val="43137"/>
+                  </a:srgbClr>
+                </a:outerShdw>
+              </a:effectLst>
+              <a:highlight>
+                <a:srgbClr val="FFFF00"/>
+              </a:highlight>
+            </a:endParaRPr>
+          </a:p>
+        </p:txBody>
+      </p:sp>
     </p:spTree>
     <p:extLst>
       <p:ext uri="{BB962C8B-B14F-4D97-AF65-F5344CB8AC3E}">
-        <p14:creationId xmlns:p14="http://schemas.microsoft.com/office/powerpoint/2010/main" val="1218247387"/>
+        <p14:creationId xmlns:p14="http://schemas.microsoft.com/office/powerpoint/2010/main" val="3181517507"/>
       </p:ext>
     </p:extLst>
   </p:cSld>
@@ -7305,7 +8001,7 @@
 </p:sld>
 </file>
 
-<file path=ppt/slides/slide6.xml><?xml version="1.0" encoding="utf-8"?>
+<file path=ppt/slides/slide7.xml><?xml version="1.0" encoding="utf-8"?>
 <p:sld xmlns:a="http://schemas.openxmlformats.org/drawingml/2006/main" xmlns:r="http://schemas.openxmlformats.org/officeDocument/2006/relationships" xmlns:p="http://schemas.openxmlformats.org/presentationml/2006/main">
   <p:cSld>
     <p:spTree>

--- a/pitch/Investors pitch.pptx
+++ b/pitch/Investors pitch.pptx
@@ -1193,7 +1193,7 @@
           <a:p>
             <a:fld id="{20630491-59BB-DD47-A259-D7C351DF458B}" type="datetimeFigureOut">
               <a:rPr lang="en-CH" smtClean="0"/>
-              <a:t>12/20/2021</a:t>
+              <a:t>12/21/2021</a:t>
             </a:fld>
             <a:endParaRPr lang="en-CH"/>
           </a:p>
@@ -1352,7 +1352,7 @@
           <a:p>
             <a:fld id="{96A4DF89-15AD-0745-8412-D78E22AFBAFD}" type="slidenum">
               <a:rPr lang="en-CH" smtClean="0"/>
-              <a:t>‹#›</a:t>
+              <a:t>‹Nr.›</a:t>
             </a:fld>
             <a:endParaRPr lang="en-CH"/>
           </a:p>
@@ -2133,7 +2133,7 @@
           <a:p>
             <a:fld id="{A751B95C-C172-5F4F-A436-67BCC42E389D}" type="datetimeFigureOut">
               <a:rPr lang="en-CH" smtClean="0"/>
-              <a:t>12/20/2021</a:t>
+              <a:t>12/21/2021</a:t>
             </a:fld>
             <a:endParaRPr lang="en-CH"/>
           </a:p>
@@ -2187,7 +2187,7 @@
           <a:p>
             <a:fld id="{5AFEFD6E-1CBC-8747-BB52-55ED67424BD6}" type="slidenum">
               <a:rPr lang="en-CH" smtClean="0"/>
-              <a:t>‹#›</a:t>
+              <a:t>‹Nr.›</a:t>
             </a:fld>
             <a:endParaRPr lang="en-CH"/>
           </a:p>
@@ -2333,7 +2333,7 @@
           <a:p>
             <a:fld id="{A751B95C-C172-5F4F-A436-67BCC42E389D}" type="datetimeFigureOut">
               <a:rPr lang="en-CH" smtClean="0"/>
-              <a:t>12/20/2021</a:t>
+              <a:t>12/21/2021</a:t>
             </a:fld>
             <a:endParaRPr lang="en-CH"/>
           </a:p>
@@ -2387,7 +2387,7 @@
           <a:p>
             <a:fld id="{5AFEFD6E-1CBC-8747-BB52-55ED67424BD6}" type="slidenum">
               <a:rPr lang="en-CH" smtClean="0"/>
-              <a:t>‹#›</a:t>
+              <a:t>‹Nr.›</a:t>
             </a:fld>
             <a:endParaRPr lang="en-CH"/>
           </a:p>
@@ -2543,7 +2543,7 @@
           <a:p>
             <a:fld id="{A751B95C-C172-5F4F-A436-67BCC42E389D}" type="datetimeFigureOut">
               <a:rPr lang="en-CH" smtClean="0"/>
-              <a:t>12/20/2021</a:t>
+              <a:t>12/21/2021</a:t>
             </a:fld>
             <a:endParaRPr lang="en-CH"/>
           </a:p>
@@ -2597,7 +2597,7 @@
           <a:p>
             <a:fld id="{5AFEFD6E-1CBC-8747-BB52-55ED67424BD6}" type="slidenum">
               <a:rPr lang="en-CH" smtClean="0"/>
-              <a:t>‹#›</a:t>
+              <a:t>‹Nr.›</a:t>
             </a:fld>
             <a:endParaRPr lang="en-CH"/>
           </a:p>
@@ -2743,7 +2743,7 @@
           <a:p>
             <a:fld id="{A751B95C-C172-5F4F-A436-67BCC42E389D}" type="datetimeFigureOut">
               <a:rPr lang="en-CH" smtClean="0"/>
-              <a:t>12/20/2021</a:t>
+              <a:t>12/21/2021</a:t>
             </a:fld>
             <a:endParaRPr lang="en-CH"/>
           </a:p>
@@ -2797,7 +2797,7 @@
           <a:p>
             <a:fld id="{5AFEFD6E-1CBC-8747-BB52-55ED67424BD6}" type="slidenum">
               <a:rPr lang="en-CH" smtClean="0"/>
-              <a:t>‹#›</a:t>
+              <a:t>‹Nr.›</a:t>
             </a:fld>
             <a:endParaRPr lang="en-CH"/>
           </a:p>
@@ -3019,7 +3019,7 @@
           <a:p>
             <a:fld id="{A751B95C-C172-5F4F-A436-67BCC42E389D}" type="datetimeFigureOut">
               <a:rPr lang="en-CH" smtClean="0"/>
-              <a:t>12/20/2021</a:t>
+              <a:t>12/21/2021</a:t>
             </a:fld>
             <a:endParaRPr lang="en-CH"/>
           </a:p>
@@ -3073,7 +3073,7 @@
           <a:p>
             <a:fld id="{5AFEFD6E-1CBC-8747-BB52-55ED67424BD6}" type="slidenum">
               <a:rPr lang="en-CH" smtClean="0"/>
-              <a:t>‹#›</a:t>
+              <a:t>‹Nr.›</a:t>
             </a:fld>
             <a:endParaRPr lang="en-CH"/>
           </a:p>
@@ -3287,7 +3287,7 @@
           <a:p>
             <a:fld id="{A751B95C-C172-5F4F-A436-67BCC42E389D}" type="datetimeFigureOut">
               <a:rPr lang="en-CH" smtClean="0"/>
-              <a:t>12/20/2021</a:t>
+              <a:t>12/21/2021</a:t>
             </a:fld>
             <a:endParaRPr lang="en-CH"/>
           </a:p>
@@ -3341,7 +3341,7 @@
           <a:p>
             <a:fld id="{5AFEFD6E-1CBC-8747-BB52-55ED67424BD6}" type="slidenum">
               <a:rPr lang="en-CH" smtClean="0"/>
-              <a:t>‹#›</a:t>
+              <a:t>‹Nr.›</a:t>
             </a:fld>
             <a:endParaRPr lang="en-CH"/>
           </a:p>
@@ -3702,7 +3702,7 @@
           <a:p>
             <a:fld id="{A751B95C-C172-5F4F-A436-67BCC42E389D}" type="datetimeFigureOut">
               <a:rPr lang="en-CH" smtClean="0"/>
-              <a:t>12/20/2021</a:t>
+              <a:t>12/21/2021</a:t>
             </a:fld>
             <a:endParaRPr lang="en-CH"/>
           </a:p>
@@ -3756,7 +3756,7 @@
           <a:p>
             <a:fld id="{5AFEFD6E-1CBC-8747-BB52-55ED67424BD6}" type="slidenum">
               <a:rPr lang="en-CH" smtClean="0"/>
-              <a:t>‹#›</a:t>
+              <a:t>‹Nr.›</a:t>
             </a:fld>
             <a:endParaRPr lang="en-CH"/>
           </a:p>
@@ -3844,7 +3844,7 @@
           <a:p>
             <a:fld id="{A751B95C-C172-5F4F-A436-67BCC42E389D}" type="datetimeFigureOut">
               <a:rPr lang="en-CH" smtClean="0"/>
-              <a:t>12/20/2021</a:t>
+              <a:t>12/21/2021</a:t>
             </a:fld>
             <a:endParaRPr lang="en-CH"/>
           </a:p>
@@ -3898,7 +3898,7 @@
           <a:p>
             <a:fld id="{5AFEFD6E-1CBC-8747-BB52-55ED67424BD6}" type="slidenum">
               <a:rPr lang="en-CH" smtClean="0"/>
-              <a:t>‹#›</a:t>
+              <a:t>‹Nr.›</a:t>
             </a:fld>
             <a:endParaRPr lang="en-CH"/>
           </a:p>
@@ -3957,7 +3957,7 @@
           <a:p>
             <a:fld id="{A751B95C-C172-5F4F-A436-67BCC42E389D}" type="datetimeFigureOut">
               <a:rPr lang="en-CH" smtClean="0"/>
-              <a:t>12/20/2021</a:t>
+              <a:t>12/21/2021</a:t>
             </a:fld>
             <a:endParaRPr lang="en-CH"/>
           </a:p>
@@ -4011,7 +4011,7 @@
           <a:p>
             <a:fld id="{5AFEFD6E-1CBC-8747-BB52-55ED67424BD6}" type="slidenum">
               <a:rPr lang="en-CH" smtClean="0"/>
-              <a:t>‹#›</a:t>
+              <a:t>‹Nr.›</a:t>
             </a:fld>
             <a:endParaRPr lang="en-CH"/>
           </a:p>
@@ -4270,7 +4270,7 @@
           <a:p>
             <a:fld id="{A751B95C-C172-5F4F-A436-67BCC42E389D}" type="datetimeFigureOut">
               <a:rPr lang="en-CH" smtClean="0"/>
-              <a:t>12/20/2021</a:t>
+              <a:t>12/21/2021</a:t>
             </a:fld>
             <a:endParaRPr lang="en-CH"/>
           </a:p>
@@ -4324,7 +4324,7 @@
           <a:p>
             <a:fld id="{5AFEFD6E-1CBC-8747-BB52-55ED67424BD6}" type="slidenum">
               <a:rPr lang="en-CH" smtClean="0"/>
-              <a:t>‹#›</a:t>
+              <a:t>‹Nr.›</a:t>
             </a:fld>
             <a:endParaRPr lang="en-CH"/>
           </a:p>
@@ -4559,7 +4559,7 @@
           <a:p>
             <a:fld id="{A751B95C-C172-5F4F-A436-67BCC42E389D}" type="datetimeFigureOut">
               <a:rPr lang="en-CH" smtClean="0"/>
-              <a:t>12/20/2021</a:t>
+              <a:t>12/21/2021</a:t>
             </a:fld>
             <a:endParaRPr lang="en-CH"/>
           </a:p>
@@ -4613,7 +4613,7 @@
           <a:p>
             <a:fld id="{5AFEFD6E-1CBC-8747-BB52-55ED67424BD6}" type="slidenum">
               <a:rPr lang="en-CH" smtClean="0"/>
-              <a:t>‹#›</a:t>
+              <a:t>‹Nr.›</a:t>
             </a:fld>
             <a:endParaRPr lang="en-CH"/>
           </a:p>
@@ -4802,7 +4802,7 @@
           <a:p>
             <a:fld id="{A751B95C-C172-5F4F-A436-67BCC42E389D}" type="datetimeFigureOut">
               <a:rPr lang="en-CH" smtClean="0"/>
-              <a:t>12/20/2021</a:t>
+              <a:t>12/21/2021</a:t>
             </a:fld>
             <a:endParaRPr lang="en-CH"/>
           </a:p>
@@ -4892,7 +4892,7 @@
           <a:p>
             <a:fld id="{5AFEFD6E-1CBC-8747-BB52-55ED67424BD6}" type="slidenum">
               <a:rPr lang="en-CH" smtClean="0"/>
-              <a:t>‹#›</a:t>
+              <a:t>‹Nr.›</a:t>
             </a:fld>
             <a:endParaRPr lang="en-CH"/>
           </a:p>
@@ -5673,6 +5673,18 @@
           <a:p>
             <a:pPr algn="just"/>
             <a:r>
+              <a:rPr lang="en-US" b="1" dirty="0">
+                <a:solidFill>
+                  <a:schemeClr val="tx1">
+                    <a:lumMod val="65000"/>
+                    <a:lumOff val="35000"/>
+                  </a:schemeClr>
+                </a:solidFill>
+                <a:latin typeface="+mj-lt"/>
+              </a:rPr>
+              <a:t>Difficult to keep up </a:t>
+            </a:r>
+            <a:r>
               <a:rPr lang="en-US" dirty="0">
                 <a:solidFill>
                   <a:schemeClr val="tx1">
@@ -5682,7 +5694,7 @@
                 </a:solidFill>
                 <a:latin typeface="+mj-lt"/>
               </a:rPr>
-              <a:t>Difficult to keep up with pharmacies operating as large chains and therefore have more possibilities and resources</a:t>
+              <a:t>with pharmacies operating as large chains and therefore have more possibilities and resources</a:t>
             </a:r>
             <a:endParaRPr lang="de-CH" dirty="0">
               <a:solidFill>
@@ -5726,6 +5738,138 @@
           <a:p>
             <a:pPr algn="just"/>
             <a:r>
+              <a:rPr lang="de-CH" b="1" dirty="0" err="1">
+                <a:solidFill>
+                  <a:schemeClr val="tx1">
+                    <a:lumMod val="65000"/>
+                    <a:lumOff val="35000"/>
+                  </a:schemeClr>
+                </a:solidFill>
+                <a:latin typeface="+mj-lt"/>
+              </a:rPr>
+              <a:t>No</a:t>
+            </a:r>
+            <a:r>
+              <a:rPr lang="de-CH" b="1" dirty="0">
+                <a:solidFill>
+                  <a:schemeClr val="tx1">
+                    <a:lumMod val="65000"/>
+                    <a:lumOff val="35000"/>
+                  </a:schemeClr>
+                </a:solidFill>
+                <a:latin typeface="+mj-lt"/>
+              </a:rPr>
+              <a:t> </a:t>
+            </a:r>
+            <a:r>
+              <a:rPr lang="de-CH" b="1" dirty="0" err="1">
+                <a:solidFill>
+                  <a:schemeClr val="tx1">
+                    <a:lumMod val="65000"/>
+                    <a:lumOff val="35000"/>
+                  </a:schemeClr>
+                </a:solidFill>
+                <a:latin typeface="+mj-lt"/>
+              </a:rPr>
+              <a:t>or</a:t>
+            </a:r>
+            <a:r>
+              <a:rPr lang="de-CH" b="1" dirty="0">
+                <a:solidFill>
+                  <a:schemeClr val="tx1">
+                    <a:lumMod val="65000"/>
+                    <a:lumOff val="35000"/>
+                  </a:schemeClr>
+                </a:solidFill>
+                <a:latin typeface="+mj-lt"/>
+              </a:rPr>
+              <a:t> not </a:t>
+            </a:r>
+            <a:r>
+              <a:rPr lang="de-CH" b="1" dirty="0" err="1">
+                <a:solidFill>
+                  <a:schemeClr val="tx1">
+                    <a:lumMod val="65000"/>
+                    <a:lumOff val="35000"/>
+                  </a:schemeClr>
+                </a:solidFill>
+                <a:latin typeface="+mj-lt"/>
+              </a:rPr>
+              <a:t>complete</a:t>
+            </a:r>
+            <a:r>
+              <a:rPr lang="de-CH" b="1" dirty="0">
+                <a:solidFill>
+                  <a:schemeClr val="tx1">
+                    <a:lumMod val="65000"/>
+                    <a:lumOff val="35000"/>
+                  </a:schemeClr>
+                </a:solidFill>
+                <a:latin typeface="+mj-lt"/>
+              </a:rPr>
+              <a:t> </a:t>
+            </a:r>
+            <a:r>
+              <a:rPr lang="de-CH" b="1" dirty="0" err="1">
+                <a:solidFill>
+                  <a:schemeClr val="tx1">
+                    <a:lumMod val="65000"/>
+                    <a:lumOff val="35000"/>
+                  </a:schemeClr>
+                </a:solidFill>
+                <a:latin typeface="+mj-lt"/>
+              </a:rPr>
+              <a:t>view</a:t>
+            </a:r>
+            <a:r>
+              <a:rPr lang="de-CH" b="1" dirty="0">
+                <a:solidFill>
+                  <a:schemeClr val="tx1">
+                    <a:lumMod val="65000"/>
+                    <a:lumOff val="35000"/>
+                  </a:schemeClr>
+                </a:solidFill>
+                <a:latin typeface="+mj-lt"/>
+              </a:rPr>
+              <a:t> on </a:t>
+            </a:r>
+            <a:r>
+              <a:rPr lang="de-CH" b="1" dirty="0" err="1">
+                <a:solidFill>
+                  <a:schemeClr val="tx1">
+                    <a:lumMod val="65000"/>
+                    <a:lumOff val="35000"/>
+                  </a:schemeClr>
+                </a:solidFill>
+                <a:latin typeface="+mj-lt"/>
+              </a:rPr>
+              <a:t>orders</a:t>
+            </a:r>
+            <a:r>
+              <a:rPr lang="de-CH" b="1" dirty="0">
+                <a:solidFill>
+                  <a:schemeClr val="tx1">
+                    <a:lumMod val="65000"/>
+                    <a:lumOff val="35000"/>
+                  </a:schemeClr>
+                </a:solidFill>
+                <a:latin typeface="+mj-lt"/>
+              </a:rPr>
+              <a:t> </a:t>
+            </a:r>
+            <a:r>
+              <a:rPr lang="de-CH" dirty="0">
+                <a:solidFill>
+                  <a:schemeClr val="tx1">
+                    <a:lumMod val="65000"/>
+                    <a:lumOff val="35000"/>
+                  </a:schemeClr>
+                </a:solidFill>
+                <a:latin typeface="+mj-lt"/>
+              </a:rPr>
+              <a:t>and </a:t>
+            </a:r>
+            <a:r>
               <a:rPr lang="de-CH" dirty="0" err="1">
                 <a:solidFill>
                   <a:schemeClr val="tx1">
@@ -5735,7 +5879,7 @@
                 </a:solidFill>
                 <a:latin typeface="+mj-lt"/>
               </a:rPr>
-              <a:t>No</a:t>
+              <a:t>patients</a:t>
             </a:r>
             <a:r>
               <a:rPr lang="de-CH" dirty="0">
@@ -5759,31 +5903,7 @@
                 </a:solidFill>
                 <a:latin typeface="+mj-lt"/>
               </a:rPr>
-              <a:t>or</a:t>
-            </a:r>
-            <a:r>
-              <a:rPr lang="de-CH" dirty="0">
-                <a:solidFill>
-                  <a:schemeClr val="tx1">
-                    <a:lumMod val="65000"/>
-                    <a:lumOff val="35000"/>
-                  </a:schemeClr>
-                </a:solidFill>
-                <a:latin typeface="+mj-lt"/>
-              </a:rPr>
-              <a:t> not </a:t>
-            </a:r>
-            <a:r>
-              <a:rPr lang="de-CH" dirty="0" err="1">
-                <a:solidFill>
-                  <a:schemeClr val="tx1">
-                    <a:lumMod val="65000"/>
-                    <a:lumOff val="35000"/>
-                  </a:schemeClr>
-                </a:solidFill>
-                <a:latin typeface="+mj-lt"/>
-              </a:rPr>
-              <a:t>complete</a:t>
+              <a:t>history</a:t>
             </a:r>
             <a:r>
               <a:rPr lang="de-CH" dirty="0">
@@ -5807,55 +5927,7 @@
                 </a:solidFill>
                 <a:latin typeface="+mj-lt"/>
               </a:rPr>
-              <a:t>view</a:t>
-            </a:r>
-            <a:r>
-              <a:rPr lang="de-CH" dirty="0">
-                <a:solidFill>
-                  <a:schemeClr val="tx1">
-                    <a:lumMod val="65000"/>
-                    <a:lumOff val="35000"/>
-                  </a:schemeClr>
-                </a:solidFill>
-                <a:latin typeface="+mj-lt"/>
-              </a:rPr>
-              <a:t> on </a:t>
-            </a:r>
-            <a:r>
-              <a:rPr lang="de-CH" dirty="0" err="1">
-                <a:solidFill>
-                  <a:schemeClr val="tx1">
-                    <a:lumMod val="65000"/>
-                    <a:lumOff val="35000"/>
-                  </a:schemeClr>
-                </a:solidFill>
-                <a:latin typeface="+mj-lt"/>
-              </a:rPr>
-              <a:t>orders</a:t>
-            </a:r>
-            <a:r>
-              <a:rPr lang="de-CH" dirty="0">
-                <a:solidFill>
-                  <a:schemeClr val="tx1">
-                    <a:lumMod val="65000"/>
-                    <a:lumOff val="35000"/>
-                  </a:schemeClr>
-                </a:solidFill>
-                <a:latin typeface="+mj-lt"/>
-              </a:rPr>
-              <a:t> and </a:t>
-            </a:r>
-            <a:r>
-              <a:rPr lang="de-CH" dirty="0" err="1">
-                <a:solidFill>
-                  <a:schemeClr val="tx1">
-                    <a:lumMod val="65000"/>
-                    <a:lumOff val="35000"/>
-                  </a:schemeClr>
-                </a:solidFill>
-                <a:latin typeface="+mj-lt"/>
-              </a:rPr>
-              <a:t>patients</a:t>
+              <a:t>can</a:t>
             </a:r>
             <a:r>
               <a:rPr lang="de-CH" dirty="0">
@@ -5879,7 +5951,7 @@
                 </a:solidFill>
                 <a:latin typeface="+mj-lt"/>
               </a:rPr>
-              <a:t>history</a:t>
+              <a:t>lead</a:t>
             </a:r>
             <a:r>
               <a:rPr lang="de-CH" dirty="0">
@@ -5903,7 +5975,7 @@
                 </a:solidFill>
                 <a:latin typeface="+mj-lt"/>
               </a:rPr>
-              <a:t>can</a:t>
+              <a:t>to</a:t>
             </a:r>
             <a:r>
               <a:rPr lang="de-CH" dirty="0">
@@ -5927,7 +5999,7 @@
                 </a:solidFill>
                 <a:latin typeface="+mj-lt"/>
               </a:rPr>
-              <a:t>lead</a:t>
+              <a:t>abuse</a:t>
             </a:r>
             <a:r>
               <a:rPr lang="de-CH" dirty="0">
@@ -5951,7 +6023,7 @@
                 </a:solidFill>
                 <a:latin typeface="+mj-lt"/>
               </a:rPr>
-              <a:t>to</a:t>
+              <a:t>or</a:t>
             </a:r>
             <a:r>
               <a:rPr lang="de-CH" dirty="0">
@@ -5975,7 +6047,7 @@
                 </a:solidFill>
                 <a:latin typeface="+mj-lt"/>
               </a:rPr>
-              <a:t>abuse</a:t>
+              <a:t>incorrect</a:t>
             </a:r>
             <a:r>
               <a:rPr lang="de-CH" dirty="0">
@@ -5999,7 +6071,7 @@
                 </a:solidFill>
                 <a:latin typeface="+mj-lt"/>
               </a:rPr>
-              <a:t>or</a:t>
+              <a:t>usage</a:t>
             </a:r>
             <a:r>
               <a:rPr lang="de-CH" dirty="0">
@@ -6023,7 +6095,7 @@
                 </a:solidFill>
                 <a:latin typeface="+mj-lt"/>
               </a:rPr>
-              <a:t>incorrect</a:t>
+              <a:t>of</a:t>
             </a:r>
             <a:r>
               <a:rPr lang="de-CH" dirty="0">
@@ -6047,54 +6119,6 @@
                 </a:solidFill>
                 <a:latin typeface="+mj-lt"/>
               </a:rPr>
-              <a:t>usage</a:t>
-            </a:r>
-            <a:r>
-              <a:rPr lang="de-CH" dirty="0">
-                <a:solidFill>
-                  <a:schemeClr val="tx1">
-                    <a:lumMod val="65000"/>
-                    <a:lumOff val="35000"/>
-                  </a:schemeClr>
-                </a:solidFill>
-                <a:latin typeface="+mj-lt"/>
-              </a:rPr>
-              <a:t> </a:t>
-            </a:r>
-            <a:r>
-              <a:rPr lang="de-CH" dirty="0" err="1">
-                <a:solidFill>
-                  <a:schemeClr val="tx1">
-                    <a:lumMod val="65000"/>
-                    <a:lumOff val="35000"/>
-                  </a:schemeClr>
-                </a:solidFill>
-                <a:latin typeface="+mj-lt"/>
-              </a:rPr>
-              <a:t>of</a:t>
-            </a:r>
-            <a:r>
-              <a:rPr lang="de-CH" dirty="0">
-                <a:solidFill>
-                  <a:schemeClr val="tx1">
-                    <a:lumMod val="65000"/>
-                    <a:lumOff val="35000"/>
-                  </a:schemeClr>
-                </a:solidFill>
-                <a:latin typeface="+mj-lt"/>
-              </a:rPr>
-              <a:t> </a:t>
-            </a:r>
-            <a:r>
-              <a:rPr lang="de-CH" dirty="0" err="1">
-                <a:solidFill>
-                  <a:schemeClr val="tx1">
-                    <a:lumMod val="65000"/>
-                    <a:lumOff val="35000"/>
-                  </a:schemeClr>
-                </a:solidFill>
-                <a:latin typeface="+mj-lt"/>
-              </a:rPr>
               <a:t>medication</a:t>
             </a:r>
             <a:endParaRPr lang="de-CH" dirty="0">
@@ -6139,6 +6163,18 @@
           <a:p>
             <a:pPr algn="just"/>
             <a:r>
+              <a:rPr lang="en-US" b="1" dirty="0">
+                <a:solidFill>
+                  <a:schemeClr val="tx1">
+                    <a:lumMod val="65000"/>
+                    <a:lumOff val="35000"/>
+                  </a:schemeClr>
+                </a:solidFill>
+                <a:latin typeface="+mj-lt"/>
+              </a:rPr>
+              <a:t>High manual workload </a:t>
+            </a:r>
+            <a:r>
               <a:rPr lang="en-US" dirty="0">
                 <a:solidFill>
                   <a:schemeClr val="tx1">
@@ -6148,7 +6184,7 @@
                 </a:solidFill>
                 <a:latin typeface="+mj-lt"/>
               </a:rPr>
-              <a:t>High manual workload leads to cutbacks in providing personal consultation to patients</a:t>
+              <a:t>leads to cutbacks in providing personal consultation to patients</a:t>
             </a:r>
             <a:endParaRPr lang="de-CH" dirty="0">
               <a:solidFill>
@@ -6525,7 +6561,7 @@
         <p:spPr>
           <a:xfrm>
             <a:off x="6398971" y="2250006"/>
-            <a:ext cx="4800344" cy="646331"/>
+            <a:ext cx="4959310" cy="646331"/>
           </a:xfrm>
           <a:prstGeom prst="rect">
             <a:avLst/>
@@ -6549,7 +6585,19 @@
                 </a:solidFill>
                 <a:latin typeface="+mj-lt"/>
               </a:rPr>
-              <a:t>Expand customer base by implementing an online purchasing solution</a:t>
+              <a:t>Expand customer base by implementing an </a:t>
+            </a:r>
+            <a:r>
+              <a:rPr lang="en-GB" b="1" dirty="0">
+                <a:solidFill>
+                  <a:schemeClr val="tx1">
+                    <a:lumMod val="65000"/>
+                    <a:lumOff val="35000"/>
+                  </a:schemeClr>
+                </a:solidFill>
+                <a:latin typeface="+mj-lt"/>
+              </a:rPr>
+              <a:t>online purchasing solution</a:t>
             </a:r>
           </a:p>
         </p:txBody>
@@ -6569,7 +6617,7 @@
         <p:spPr>
           <a:xfrm>
             <a:off x="6398971" y="3537446"/>
-            <a:ext cx="4800344" cy="646331"/>
+            <a:ext cx="4959310" cy="646331"/>
           </a:xfrm>
           <a:prstGeom prst="rect">
             <a:avLst/>
@@ -6593,40 +6641,20 @@
                 </a:solidFill>
                 <a:latin typeface="+mj-lt"/>
               </a:rPr>
-              <a:t>Creating a single source of truth by storing necessary data in a relational database</a:t>
-            </a:r>
-          </a:p>
-        </p:txBody>
-      </p:sp>
-      <p:sp>
-        <p:nvSpPr>
-          <p:cNvPr id="22" name="TextBox 21">
-            <a:extLst>
-              <a:ext uri="{FF2B5EF4-FFF2-40B4-BE49-F238E27FC236}">
-                <a16:creationId xmlns:a16="http://schemas.microsoft.com/office/drawing/2014/main" id="{AC50772B-5484-4E52-BC48-48204701BFF4}"/>
-              </a:ext>
-            </a:extLst>
-          </p:cNvPr>
-          <p:cNvSpPr txBox="1"/>
-          <p:nvPr/>
-        </p:nvSpPr>
-        <p:spPr>
-          <a:xfrm>
-            <a:off x="6398971" y="4824886"/>
-            <a:ext cx="4800344" cy="646331"/>
-          </a:xfrm>
-          <a:prstGeom prst="rect">
-            <a:avLst/>
-          </a:prstGeom>
-          <a:noFill/>
-        </p:spPr>
-        <p:txBody>
-          <a:bodyPr wrap="square">
-            <a:spAutoFit/>
-          </a:bodyPr>
-          <a:lstStyle/>
-          <a:p>
-            <a:pPr lvl="1" algn="just"/>
+              <a:t>Creating a </a:t>
+            </a:r>
+            <a:r>
+              <a:rPr lang="en-GB" b="1" dirty="0">
+                <a:solidFill>
+                  <a:schemeClr val="tx1">
+                    <a:lumMod val="65000"/>
+                    <a:lumOff val="35000"/>
+                  </a:schemeClr>
+                </a:solidFill>
+                <a:latin typeface="+mj-lt"/>
+              </a:rPr>
+              <a:t>single source of truth </a:t>
+            </a:r>
             <a:r>
               <a:rPr lang="en-GB" dirty="0">
                 <a:solidFill>
@@ -6637,7 +6665,63 @@
                 </a:solidFill>
                 <a:latin typeface="+mj-lt"/>
               </a:rPr>
-              <a:t>Reducing the manual workload by automating the process of selling medication</a:t>
+              <a:t>by storing necessary data in a relational database</a:t>
+            </a:r>
+          </a:p>
+        </p:txBody>
+      </p:sp>
+      <p:sp>
+        <p:nvSpPr>
+          <p:cNvPr id="22" name="TextBox 21">
+            <a:extLst>
+              <a:ext uri="{FF2B5EF4-FFF2-40B4-BE49-F238E27FC236}">
+                <a16:creationId xmlns:a16="http://schemas.microsoft.com/office/drawing/2014/main" id="{AC50772B-5484-4E52-BC48-48204701BFF4}"/>
+              </a:ext>
+            </a:extLst>
+          </p:cNvPr>
+          <p:cNvSpPr txBox="1"/>
+          <p:nvPr/>
+        </p:nvSpPr>
+        <p:spPr>
+          <a:xfrm>
+            <a:off x="6398970" y="4824886"/>
+            <a:ext cx="4959311" cy="646331"/>
+          </a:xfrm>
+          <a:prstGeom prst="rect">
+            <a:avLst/>
+          </a:prstGeom>
+          <a:noFill/>
+        </p:spPr>
+        <p:txBody>
+          <a:bodyPr wrap="square">
+            <a:spAutoFit/>
+          </a:bodyPr>
+          <a:lstStyle/>
+          <a:p>
+            <a:pPr lvl="1" algn="just"/>
+            <a:r>
+              <a:rPr lang="en-GB" b="1" dirty="0">
+                <a:solidFill>
+                  <a:schemeClr val="tx1">
+                    <a:lumMod val="65000"/>
+                    <a:lumOff val="35000"/>
+                  </a:schemeClr>
+                </a:solidFill>
+                <a:latin typeface="+mj-lt"/>
+              </a:rPr>
+              <a:t>Reducing the manual workload </a:t>
+            </a:r>
+            <a:r>
+              <a:rPr lang="en-GB" dirty="0">
+                <a:solidFill>
+                  <a:schemeClr val="tx1">
+                    <a:lumMod val="65000"/>
+                    <a:lumOff val="35000"/>
+                  </a:schemeClr>
+                </a:solidFill>
+                <a:latin typeface="+mj-lt"/>
+              </a:rPr>
+              <a:t>by automating the process of selling medication</a:t>
             </a:r>
           </a:p>
         </p:txBody>
@@ -6776,60 +6860,6 @@
           <a:chExt cx="0" cy="0"/>
         </a:xfrm>
       </p:grpSpPr>
-      <p:sp>
-        <p:nvSpPr>
-          <p:cNvPr id="2" name="Title 1">
-            <a:extLst>
-              <a:ext uri="{FF2B5EF4-FFF2-40B4-BE49-F238E27FC236}">
-                <a16:creationId xmlns:a16="http://schemas.microsoft.com/office/drawing/2014/main" id="{D172D38F-436D-4343-83E4-DC0887B22196}"/>
-              </a:ext>
-            </a:extLst>
-          </p:cNvPr>
-          <p:cNvSpPr>
-            <a:spLocks noGrp="1"/>
-          </p:cNvSpPr>
-          <p:nvPr>
-            <p:ph type="title"/>
-          </p:nvPr>
-        </p:nvSpPr>
-        <p:spPr>
-          <a:xfrm>
-            <a:off x="0" y="0"/>
-            <a:ext cx="12192000" cy="1104899"/>
-          </a:xfrm>
-        </p:spPr>
-        <p:txBody>
-          <a:bodyPr/>
-          <a:lstStyle/>
-          <a:p>
-            <a:pPr algn="ctr"/>
-            <a:r>
-              <a:rPr lang="en-GB" b="1" dirty="0">
-                <a:solidFill>
-                  <a:schemeClr val="tx1">
-                    <a:lumMod val="65000"/>
-                    <a:lumOff val="35000"/>
-                  </a:schemeClr>
-                </a:solidFill>
-                <a:latin typeface="Century Gothic" panose="020B0502020202020204" pitchFamily="34" charset="0"/>
-              </a:rPr>
-              <a:t>Pharmacy</a:t>
-            </a:r>
-            <a:r>
-              <a:rPr lang="en-CH" b="1" dirty="0">
-                <a:solidFill>
-                  <a:schemeClr val="tx1">
-                    <a:lumMod val="65000"/>
-                    <a:lumOff val="35000"/>
-                  </a:schemeClr>
-                </a:solidFill>
-                <a:latin typeface="Century Gothic" panose="020B0502020202020204" pitchFamily="34" charset="0"/>
-              </a:rPr>
-              <a:t> Journey</a:t>
-            </a:r>
-          </a:p>
-        </p:txBody>
-      </p:sp>
       <p:pic>
         <p:nvPicPr>
           <p:cNvPr id="10" name="Picture 9" descr="A picture containing diagram&#10;&#10;Description automatically generated">
@@ -6852,14 +6882,68 @@
         </p:blipFill>
         <p:spPr>
           <a:xfrm>
-            <a:off x="388620" y="1021079"/>
-            <a:ext cx="8884920" cy="5266334"/>
+            <a:off x="271153" y="439998"/>
+            <a:ext cx="10540554" cy="6247673"/>
           </a:xfrm>
           <a:prstGeom prst="rect">
             <a:avLst/>
           </a:prstGeom>
         </p:spPr>
       </p:pic>
+      <p:sp>
+        <p:nvSpPr>
+          <p:cNvPr id="2" name="Title 1">
+            <a:extLst>
+              <a:ext uri="{FF2B5EF4-FFF2-40B4-BE49-F238E27FC236}">
+                <a16:creationId xmlns:a16="http://schemas.microsoft.com/office/drawing/2014/main" id="{D172D38F-436D-4343-83E4-DC0887B22196}"/>
+              </a:ext>
+            </a:extLst>
+          </p:cNvPr>
+          <p:cNvSpPr>
+            <a:spLocks noGrp="1"/>
+          </p:cNvSpPr>
+          <p:nvPr>
+            <p:ph type="title"/>
+          </p:nvPr>
+        </p:nvSpPr>
+        <p:spPr>
+          <a:xfrm>
+            <a:off x="0" y="0"/>
+            <a:ext cx="12192000" cy="1104899"/>
+          </a:xfrm>
+        </p:spPr>
+        <p:txBody>
+          <a:bodyPr/>
+          <a:lstStyle/>
+          <a:p>
+            <a:pPr algn="ctr"/>
+            <a:r>
+              <a:rPr lang="en-GB" b="1" dirty="0">
+                <a:solidFill>
+                  <a:schemeClr val="tx1">
+                    <a:lumMod val="65000"/>
+                    <a:lumOff val="35000"/>
+                  </a:schemeClr>
+                </a:solidFill>
+                <a:latin typeface="Century Gothic" panose="020B0502020202020204" pitchFamily="34" charset="0"/>
+              </a:rPr>
+              <a:t>Pharmacy</a:t>
+            </a:r>
+            <a:r>
+              <a:rPr lang="en-CH" b="1" dirty="0">
+                <a:solidFill>
+                  <a:schemeClr val="tx1">
+                    <a:lumMod val="65000"/>
+                    <a:lumOff val="35000"/>
+                  </a:schemeClr>
+                </a:solidFill>
+                <a:latin typeface="Century Gothic" panose="020B0502020202020204" pitchFamily="34" charset="0"/>
+              </a:rPr>
+              <a:t> Journey</a:t>
+            </a:r>
+          </a:p>
+        </p:txBody>
+      </p:sp>
       <p:grpSp>
         <p:nvGrpSpPr>
           <p:cNvPr id="16" name="Group 15">
@@ -7155,6 +7239,35 @@
           <a:chExt cx="0" cy="0"/>
         </a:xfrm>
       </p:grpSpPr>
+      <p:pic>
+        <p:nvPicPr>
+          <p:cNvPr id="17" name="Picture 16" descr="Diagram&#10;&#10;Description automatically generated">
+            <a:extLst>
+              <a:ext uri="{FF2B5EF4-FFF2-40B4-BE49-F238E27FC236}">
+                <a16:creationId xmlns:a16="http://schemas.microsoft.com/office/drawing/2014/main" id="{EC92477B-C48C-481D-80BB-800C0C23DDBF}"/>
+              </a:ext>
+            </a:extLst>
+          </p:cNvPr>
+          <p:cNvPicPr>
+            <a:picLocks noChangeAspect="1"/>
+          </p:cNvPicPr>
+          <p:nvPr/>
+        </p:nvPicPr>
+        <p:blipFill rotWithShape="1">
+          <a:blip r:embed="rId3"/>
+          <a:srcRect t="14667" r="8487" b="25222"/>
+          <a:stretch/>
+        </p:blipFill>
+        <p:spPr>
+          <a:xfrm>
+            <a:off x="2747261" y="1483660"/>
+            <a:ext cx="9086151" cy="4611893"/>
+          </a:xfrm>
+          <a:prstGeom prst="rect">
+            <a:avLst/>
+          </a:prstGeom>
+        </p:spPr>
+      </p:pic>
       <p:sp>
         <p:nvSpPr>
           <p:cNvPr id="2" name="Title 1">
@@ -7212,7 +7325,7 @@
           <p:nvPr/>
         </p:nvPicPr>
         <p:blipFill>
-          <a:blip r:embed="rId3"/>
+          <a:blip r:embed="rId4"/>
           <a:stretch>
             <a:fillRect/>
           </a:stretch>
@@ -7262,7 +7375,7 @@
             <p:nvPr/>
           </p:nvPicPr>
           <p:blipFill>
-            <a:blip r:embed="rId4">
+            <a:blip r:embed="rId5">
               <a:extLst>
                 <a:ext uri="{28A0092B-C50C-407E-A947-70E740481C1C}">
                   <a14:useLocalDpi xmlns:a14="http://schemas.microsoft.com/office/drawing/2010/main" val="0"/>
@@ -7810,35 +7923,6 @@
           </p:txBody>
         </p:sp>
       </p:grpSp>
-      <p:pic>
-        <p:nvPicPr>
-          <p:cNvPr id="17" name="Picture 16" descr="Diagram&#10;&#10;Description automatically generated">
-            <a:extLst>
-              <a:ext uri="{FF2B5EF4-FFF2-40B4-BE49-F238E27FC236}">
-                <a16:creationId xmlns:a16="http://schemas.microsoft.com/office/drawing/2014/main" id="{EC92477B-C48C-481D-80BB-800C0C23DDBF}"/>
-              </a:ext>
-            </a:extLst>
-          </p:cNvPr>
-          <p:cNvPicPr>
-            <a:picLocks noChangeAspect="1"/>
-          </p:cNvPicPr>
-          <p:nvPr/>
-        </p:nvPicPr>
-        <p:blipFill rotWithShape="1">
-          <a:blip r:embed="rId5"/>
-          <a:srcRect t="14667" b="25222"/>
-          <a:stretch/>
-        </p:blipFill>
-        <p:spPr>
-          <a:xfrm>
-            <a:off x="3316941" y="1798320"/>
-            <a:ext cx="8875059" cy="4122420"/>
-          </a:xfrm>
-          <a:prstGeom prst="rect">
-            <a:avLst/>
-          </a:prstGeom>
-        </p:spPr>
-      </p:pic>
     </p:spTree>
     <p:extLst>
       <p:ext uri="{BB962C8B-B14F-4D97-AF65-F5344CB8AC3E}">
@@ -8118,7 +8202,7 @@
           </a:fontRef>
         </p:style>
         <p:txBody>
-          <a:bodyPr rtlCol="0" anchor="ctr"/>
+          <a:bodyPr rtlCol="0" anchor="t"/>
           <a:lstStyle/>
           <a:p>
             <a:pPr algn="just">
@@ -8130,13 +8214,61 @@
               <a:rPr lang="en-GB" dirty="0">
                 <a:solidFill>
                   <a:schemeClr val="tx1">
-                    <a:lumMod val="65000"/>
-                    <a:lumOff val="35000"/>
+                    <a:lumMod val="95000"/>
+                    <a:lumOff val="5000"/>
                   </a:schemeClr>
                 </a:solidFill>
                 <a:latin typeface="+mj-lt"/>
               </a:rPr>
-              <a:t>Digital Pharmacy uses Google Cloud Vision to automatically process received prescriptions and extract all necessary information from the file, regardless if it’s a digital pdf or a scan. Google Cloud Vision is a cutting edge AI application that is able to recognize characters in documents and images and extract them. </a:t>
+              <a:t>Digital Pharmacy uses</a:t>
+            </a:r>
+            <a:r>
+              <a:rPr lang="en-GB" b="1" dirty="0">
+                <a:solidFill>
+                  <a:schemeClr val="tx1">
+                    <a:lumMod val="95000"/>
+                    <a:lumOff val="5000"/>
+                  </a:schemeClr>
+                </a:solidFill>
+                <a:latin typeface="+mj-lt"/>
+              </a:rPr>
+              <a:t> Google Cloud Vision </a:t>
+            </a:r>
+            <a:r>
+              <a:rPr lang="en-GB" dirty="0">
+                <a:solidFill>
+                  <a:schemeClr val="tx1">
+                    <a:lumMod val="95000"/>
+                    <a:lumOff val="5000"/>
+                  </a:schemeClr>
+                </a:solidFill>
+                <a:latin typeface="+mj-lt"/>
+              </a:rPr>
+              <a:t>to automatically process received prescriptions and extract all necessary information from the file, regardless if it’s a digital pdf or a scan. Google Cloud Vision is </a:t>
+            </a:r>
+            <a:r>
+              <a:rPr lang="en-GB" b="1" dirty="0">
+                <a:solidFill>
+                  <a:schemeClr val="tx1">
+                    <a:lumMod val="95000"/>
+                    <a:lumOff val="5000"/>
+                  </a:schemeClr>
+                </a:solidFill>
+                <a:latin typeface="+mj-lt"/>
+              </a:rPr>
+              <a:t>a cutting edge AI application</a:t>
+            </a:r>
+            <a:r>
+              <a:rPr lang="en-GB" dirty="0">
+                <a:solidFill>
+                  <a:schemeClr val="tx1">
+                    <a:lumMod val="95000"/>
+                    <a:lumOff val="5000"/>
+                  </a:schemeClr>
+                </a:solidFill>
+                <a:latin typeface="+mj-lt"/>
+              </a:rPr>
+              <a:t> that is able to recognize characters in documents and images and extract them. </a:t>
             </a:r>
           </a:p>
         </p:txBody>
@@ -8190,7 +8322,7 @@
           </a:fontRef>
         </p:style>
         <p:txBody>
-          <a:bodyPr rtlCol="0" anchor="ctr"/>
+          <a:bodyPr rtlCol="0" anchor="t"/>
           <a:lstStyle/>
           <a:p>
             <a:pPr algn="just">
@@ -8202,8 +8334,8 @@
               <a:rPr lang="en-GB" dirty="0">
                 <a:solidFill>
                   <a:schemeClr val="tx1">
-                    <a:lumMod val="65000"/>
-                    <a:lumOff val="35000"/>
+                    <a:lumMod val="95000"/>
+                    <a:lumOff val="5000"/>
                   </a:schemeClr>
                 </a:solidFill>
                 <a:latin typeface="+mj-lt"/>
@@ -8211,11 +8343,11 @@
               <a:t>Digital Pharmacy uses </a:t>
             </a:r>
             <a:r>
-              <a:rPr lang="en-GB" dirty="0" err="1">
+              <a:rPr lang="en-GB" b="1" dirty="0" err="1">
                 <a:solidFill>
                   <a:schemeClr val="tx1">
-                    <a:lumMod val="65000"/>
-                    <a:lumOff val="35000"/>
+                    <a:lumMod val="95000"/>
+                    <a:lumOff val="5000"/>
                   </a:schemeClr>
                 </a:solidFill>
                 <a:latin typeface="+mj-lt"/>
@@ -8223,23 +8355,35 @@
               <a:t>AirTable</a:t>
             </a:r>
             <a:r>
-              <a:rPr lang="en-GB" dirty="0">
+              <a:rPr lang="en-GB" b="1" dirty="0">
                 <a:solidFill>
                   <a:schemeClr val="tx1">
-                    <a:lumMod val="65000"/>
-                    <a:lumOff val="35000"/>
+                    <a:lumMod val="95000"/>
+                    <a:lumOff val="5000"/>
                   </a:schemeClr>
                 </a:solidFill>
                 <a:latin typeface="+mj-lt"/>
               </a:rPr>
-              <a:t> to store the overview of drugs, if they need a prescription or not and their stock level as well as patient data for prescription orders. </a:t>
+              <a:t> to store the overview of drugs</a:t>
+            </a:r>
+            <a:r>
+              <a:rPr lang="en-GB" dirty="0">
+                <a:solidFill>
+                  <a:schemeClr val="tx1">
+                    <a:lumMod val="95000"/>
+                    <a:lumOff val="5000"/>
+                  </a:schemeClr>
+                </a:solidFill>
+                <a:latin typeface="+mj-lt"/>
+              </a:rPr>
+              <a:t>, if they need a prescription or not and their stock level as well as patient data for prescription orders. </a:t>
             </a:r>
             <a:r>
               <a:rPr lang="en-GB" dirty="0" err="1">
                 <a:solidFill>
                   <a:schemeClr val="tx1">
-                    <a:lumMod val="65000"/>
-                    <a:lumOff val="35000"/>
+                    <a:lumMod val="95000"/>
+                    <a:lumOff val="5000"/>
                   </a:schemeClr>
                 </a:solidFill>
                 <a:latin typeface="+mj-lt"/>
@@ -8250,13 +8394,61 @@
               <a:rPr lang="en-GB" dirty="0">
                 <a:solidFill>
                   <a:schemeClr val="tx1">
-                    <a:lumMod val="65000"/>
-                    <a:lumOff val="35000"/>
+                    <a:lumMod val="95000"/>
+                    <a:lumOff val="5000"/>
                   </a:schemeClr>
                 </a:solidFill>
                 <a:latin typeface="+mj-lt"/>
               </a:rPr>
-              <a:t> allows to build relational database with the option to chose between a no-code and traditional SQL language implementation. Like this, Digital Pharmacy can ensure that the database can be managed by a small pharmacy without an IT specialist, but can also be used as a fully functional SQL database if needed.</a:t>
+              <a:t> allows to build </a:t>
+            </a:r>
+            <a:r>
+              <a:rPr lang="en-GB" b="1" dirty="0">
+                <a:solidFill>
+                  <a:schemeClr val="tx1">
+                    <a:lumMod val="95000"/>
+                    <a:lumOff val="5000"/>
+                  </a:schemeClr>
+                </a:solidFill>
+                <a:latin typeface="+mj-lt"/>
+              </a:rPr>
+              <a:t>relational database </a:t>
+            </a:r>
+            <a:r>
+              <a:rPr lang="en-GB" dirty="0">
+                <a:solidFill>
+                  <a:schemeClr val="tx1">
+                    <a:lumMod val="95000"/>
+                    <a:lumOff val="5000"/>
+                  </a:schemeClr>
+                </a:solidFill>
+                <a:latin typeface="+mj-lt"/>
+              </a:rPr>
+              <a:t>with the option to chose between a no-code and traditional SQL language implementation. Like this, Digital Pharmacy can ensure that the database </a:t>
+            </a:r>
+            <a:r>
+              <a:rPr lang="en-GB" b="1" dirty="0">
+                <a:solidFill>
+                  <a:schemeClr val="tx1">
+                    <a:lumMod val="95000"/>
+                    <a:lumOff val="5000"/>
+                  </a:schemeClr>
+                </a:solidFill>
+                <a:latin typeface="+mj-lt"/>
+              </a:rPr>
+              <a:t>can be managed by a small pharmacy without an IT specialist</a:t>
+            </a:r>
+            <a:r>
+              <a:rPr lang="en-GB" dirty="0">
+                <a:solidFill>
+                  <a:schemeClr val="tx1">
+                    <a:lumMod val="95000"/>
+                    <a:lumOff val="5000"/>
+                  </a:schemeClr>
+                </a:solidFill>
+                <a:latin typeface="+mj-lt"/>
+              </a:rPr>
+              <a:t>, but can also be used as a fully functional SQL database if needed.</a:t>
             </a:r>
           </a:p>
         </p:txBody>
